--- a/Thermo 2022 (Neshyba)/Lectures/Week 3 - Probability density functions/Week 3.1 - Probability Distributions.pptx
+++ b/Thermo 2022 (Neshyba)/Lectures/Week 3 - Probability density functions/Week 3.1 - Probability Distributions.pptx
@@ -18,8 +18,10 @@
     <p:sldId id="271" r:id="rId12"/>
     <p:sldId id="272" r:id="rId13"/>
     <p:sldId id="273" r:id="rId14"/>
-    <p:sldId id="256" r:id="rId15"/>
-    <p:sldId id="270" r:id="rId16"/>
+    <p:sldId id="311" r:id="rId15"/>
+    <p:sldId id="312" r:id="rId16"/>
+    <p:sldId id="315" r:id="rId17"/>
+    <p:sldId id="316" r:id="rId18"/>
   </p:sldIdLst>
   <p:sldSz cx="12192000" cy="6858000"/>
   <p:notesSz cx="6858000" cy="9144000"/>
@@ -273,7 +275,7 @@
           <a:p>
             <a:fld id="{D6116B69-B27F-1747-907D-795278FDDEFA}" type="datetimeFigureOut">
               <a:rPr lang="en-US" smtClean="0"/>
-              <a:t>9/27/21</a:t>
+              <a:t>9/11/22</a:t>
             </a:fld>
             <a:endParaRPr lang="en-US"/>
           </a:p>
@@ -471,7 +473,7 @@
           <a:p>
             <a:fld id="{D6116B69-B27F-1747-907D-795278FDDEFA}" type="datetimeFigureOut">
               <a:rPr lang="en-US" smtClean="0"/>
-              <a:t>9/27/21</a:t>
+              <a:t>9/11/22</a:t>
             </a:fld>
             <a:endParaRPr lang="en-US"/>
           </a:p>
@@ -679,7 +681,7 @@
           <a:p>
             <a:fld id="{D6116B69-B27F-1747-907D-795278FDDEFA}" type="datetimeFigureOut">
               <a:rPr lang="en-US" smtClean="0"/>
-              <a:t>9/27/21</a:t>
+              <a:t>9/11/22</a:t>
             </a:fld>
             <a:endParaRPr lang="en-US"/>
           </a:p>
@@ -877,7 +879,7 @@
           <a:p>
             <a:fld id="{D6116B69-B27F-1747-907D-795278FDDEFA}" type="datetimeFigureOut">
               <a:rPr lang="en-US" smtClean="0"/>
-              <a:t>9/27/21</a:t>
+              <a:t>9/11/22</a:t>
             </a:fld>
             <a:endParaRPr lang="en-US"/>
           </a:p>
@@ -1152,7 +1154,7 @@
           <a:p>
             <a:fld id="{D6116B69-B27F-1747-907D-795278FDDEFA}" type="datetimeFigureOut">
               <a:rPr lang="en-US" smtClean="0"/>
-              <a:t>9/27/21</a:t>
+              <a:t>9/11/22</a:t>
             </a:fld>
             <a:endParaRPr lang="en-US"/>
           </a:p>
@@ -1417,7 +1419,7 @@
           <a:p>
             <a:fld id="{D6116B69-B27F-1747-907D-795278FDDEFA}" type="datetimeFigureOut">
               <a:rPr lang="en-US" smtClean="0"/>
-              <a:t>9/27/21</a:t>
+              <a:t>9/11/22</a:t>
             </a:fld>
             <a:endParaRPr lang="en-US"/>
           </a:p>
@@ -1829,7 +1831,7 @@
           <a:p>
             <a:fld id="{D6116B69-B27F-1747-907D-795278FDDEFA}" type="datetimeFigureOut">
               <a:rPr lang="en-US" smtClean="0"/>
-              <a:t>9/27/21</a:t>
+              <a:t>9/11/22</a:t>
             </a:fld>
             <a:endParaRPr lang="en-US"/>
           </a:p>
@@ -1970,7 +1972,7 @@
           <a:p>
             <a:fld id="{D6116B69-B27F-1747-907D-795278FDDEFA}" type="datetimeFigureOut">
               <a:rPr lang="en-US" smtClean="0"/>
-              <a:t>9/27/21</a:t>
+              <a:t>9/11/22</a:t>
             </a:fld>
             <a:endParaRPr lang="en-US"/>
           </a:p>
@@ -2083,7 +2085,7 @@
           <a:p>
             <a:fld id="{D6116B69-B27F-1747-907D-795278FDDEFA}" type="datetimeFigureOut">
               <a:rPr lang="en-US" smtClean="0"/>
-              <a:t>9/27/21</a:t>
+              <a:t>9/11/22</a:t>
             </a:fld>
             <a:endParaRPr lang="en-US"/>
           </a:p>
@@ -2394,7 +2396,7 @@
           <a:p>
             <a:fld id="{D6116B69-B27F-1747-907D-795278FDDEFA}" type="datetimeFigureOut">
               <a:rPr lang="en-US" smtClean="0"/>
-              <a:t>9/27/21</a:t>
+              <a:t>9/11/22</a:t>
             </a:fld>
             <a:endParaRPr lang="en-US"/>
           </a:p>
@@ -2682,7 +2684,7 @@
           <a:p>
             <a:fld id="{D6116B69-B27F-1747-907D-795278FDDEFA}" type="datetimeFigureOut">
               <a:rPr lang="en-US" smtClean="0"/>
-              <a:t>9/27/21</a:t>
+              <a:t>9/11/22</a:t>
             </a:fld>
             <a:endParaRPr lang="en-US"/>
           </a:p>
@@ -2923,7 +2925,7 @@
           <a:p>
             <a:fld id="{D6116B69-B27F-1747-907D-795278FDDEFA}" type="datetimeFigureOut">
               <a:rPr lang="en-US" smtClean="0"/>
-              <a:t>9/27/21</a:t>
+              <a:t>9/11/22</a:t>
             </a:fld>
             <a:endParaRPr lang="en-US"/>
           </a:p>
@@ -5312,85 +5314,12 @@
           <a:chExt cx="0" cy="0"/>
         </a:xfrm>
       </p:grpSpPr>
-      <p:sp>
-        <p:nvSpPr>
-          <p:cNvPr id="5" name="TextBox 4">
+      <p:grpSp>
+        <p:nvGrpSpPr>
+          <p:cNvPr id="6" name="Group 5">
             <a:extLst>
               <a:ext uri="{FF2B5EF4-FFF2-40B4-BE49-F238E27FC236}">
-                <a16:creationId xmlns:a16="http://schemas.microsoft.com/office/drawing/2014/main" id="{C2BD34AA-7E91-7144-91A9-44E3FAF780FD}"/>
-              </a:ext>
-            </a:extLst>
-          </p:cNvPr>
-          <p:cNvSpPr txBox="1"/>
-          <p:nvPr/>
-        </p:nvSpPr>
-        <p:spPr>
-          <a:xfrm>
-            <a:off x="353568" y="3206496"/>
-            <a:ext cx="5108448" cy="1200329"/>
-          </a:xfrm>
-          <a:prstGeom prst="rect">
-            <a:avLst/>
-          </a:prstGeom>
-          <a:noFill/>
-        </p:spPr>
-        <p:txBody>
-          <a:bodyPr wrap="square" rtlCol="0">
-            <a:spAutoFit/>
-          </a:bodyPr>
-          <a:lstStyle/>
-          <a:p>
-            <a:r>
-              <a:rPr lang="en-US" sz="2400" dirty="0"/>
-              <a:t>It </a:t>
-            </a:r>
-            <a:r>
-              <a:rPr lang="en-US" sz="2400" i="1" dirty="0"/>
-              <a:t>looks</a:t>
-            </a:r>
-            <a:r>
-              <a:rPr lang="en-US" sz="2400" dirty="0"/>
-              <a:t> like average speeds are greater than most probable speeds. Is that consistent with the above formulas?</a:t>
-            </a:r>
-          </a:p>
-        </p:txBody>
-      </p:sp>
-      <p:pic>
-        <p:nvPicPr>
-          <p:cNvPr id="7" name="Picture 6">
-            <a:extLst>
-              <a:ext uri="{FF2B5EF4-FFF2-40B4-BE49-F238E27FC236}">
-                <a16:creationId xmlns:a16="http://schemas.microsoft.com/office/drawing/2014/main" id="{A05ABFE3-7B65-E349-9936-6083928D5451}"/>
-              </a:ext>
-            </a:extLst>
-          </p:cNvPr>
-          <p:cNvPicPr>
-            <a:picLocks noChangeAspect="1"/>
-          </p:cNvPicPr>
-          <p:nvPr/>
-        </p:nvPicPr>
-        <p:blipFill>
-          <a:blip r:embed="rId2"/>
-          <a:stretch>
-            <a:fillRect/>
-          </a:stretch>
-        </p:blipFill>
-        <p:spPr>
-          <a:xfrm>
-            <a:off x="5876544" y="3170173"/>
-            <a:ext cx="5501782" cy="3303525"/>
-          </a:xfrm>
-          <a:prstGeom prst="rect">
-            <a:avLst/>
-          </a:prstGeom>
-        </p:spPr>
-      </p:pic>
-      <p:grpSp>
-        <p:nvGrpSpPr>
-          <p:cNvPr id="11" name="Group 10">
-            <a:extLst>
-              <a:ext uri="{FF2B5EF4-FFF2-40B4-BE49-F238E27FC236}">
-                <a16:creationId xmlns:a16="http://schemas.microsoft.com/office/drawing/2014/main" id="{78D841E1-96EC-434F-B791-B82E66CB7BC2}"/>
+                <a16:creationId xmlns:a16="http://schemas.microsoft.com/office/drawing/2014/main" id="{1BFC806F-A981-8744-9F19-6F78563BAAAE}"/>
               </a:ext>
             </a:extLst>
           </p:cNvPr>
@@ -5399,18 +5328,18 @@
         </p:nvGrpSpPr>
         <p:grpSpPr>
           <a:xfrm>
-            <a:off x="500837" y="341376"/>
-            <a:ext cx="10984027" cy="2670048"/>
-            <a:chOff x="500837" y="341376"/>
-            <a:chExt cx="10984027" cy="2670048"/>
+            <a:off x="511745" y="1486949"/>
+            <a:ext cx="5699500" cy="2326715"/>
+            <a:chOff x="1856511" y="661746"/>
+            <a:chExt cx="6103829" cy="2349677"/>
           </a:xfrm>
         </p:grpSpPr>
         <p:pic>
           <p:nvPicPr>
-            <p:cNvPr id="4" name="Picture 3">
+            <p:cNvPr id="8" name="Picture 7">
               <a:extLst>
                 <a:ext uri="{FF2B5EF4-FFF2-40B4-BE49-F238E27FC236}">
-                  <a16:creationId xmlns:a16="http://schemas.microsoft.com/office/drawing/2014/main" id="{EDC5A679-8A96-514C-BD5F-6D315157E9E4}"/>
+                  <a16:creationId xmlns:a16="http://schemas.microsoft.com/office/drawing/2014/main" id="{9F39AA69-F24D-0A45-83F1-EC0B557C7D59}"/>
                 </a:ext>
               </a:extLst>
             </p:cNvPr>
@@ -5420,14 +5349,14 @@
             <p:nvPr/>
           </p:nvPicPr>
           <p:blipFill rotWithShape="1">
-            <a:blip r:embed="rId3"/>
-            <a:srcRect r="17186"/>
+            <a:blip r:embed="rId2"/>
+            <a:srcRect l="10221" t="11998" r="43759"/>
             <a:stretch/>
           </p:blipFill>
           <p:spPr>
             <a:xfrm>
-              <a:off x="500837" y="341376"/>
-              <a:ext cx="10984027" cy="2670048"/>
+              <a:off x="1856511" y="661746"/>
+              <a:ext cx="6103829" cy="2349677"/>
             </a:xfrm>
             <a:prstGeom prst="rect">
               <a:avLst/>
@@ -5438,10 +5367,10 @@
           <mc:Choice Requires="a14">
             <p:sp>
               <p:nvSpPr>
-                <p:cNvPr id="8" name="Rectangle 7">
+                <p:cNvPr id="9" name="Rectangle 8">
                   <a:extLst>
                     <a:ext uri="{FF2B5EF4-FFF2-40B4-BE49-F238E27FC236}">
-                      <a16:creationId xmlns:a16="http://schemas.microsoft.com/office/drawing/2014/main" id="{ED4D270E-6433-5047-B46C-1B6527386643}"/>
+                      <a16:creationId xmlns:a16="http://schemas.microsoft.com/office/drawing/2014/main" id="{0063D135-8509-0A47-929B-AC1F19881369}"/>
                     </a:ext>
                   </a:extLst>
                 </p:cNvPr>
@@ -5450,8 +5379,8 @@
               </p:nvSpPr>
               <p:spPr>
                 <a:xfrm>
-                  <a:off x="8223029" y="1676400"/>
-                  <a:ext cx="404406" cy="461665"/>
+                  <a:off x="4646452" y="1684035"/>
+                  <a:ext cx="1594796" cy="461665"/>
                 </a:xfrm>
                 <a:prstGeom prst="rect">
                   <a:avLst/>
@@ -5474,7 +5403,7 @@
                           <m:accPr>
                             <m:chr m:val="̅"/>
                             <m:ctrlPr>
-                              <a:rPr lang="en-US" sz="2400" i="1">
+                              <a:rPr lang="en-US" sz="2400" i="1" smtClean="0">
                                 <a:latin typeface="Cambria Math" panose="02040503050406030204" pitchFamily="18" charset="0"/>
                               </a:rPr>
                             </m:ctrlPr>
@@ -5488,6 +5417,24 @@
                             </m:r>
                           </m:e>
                         </m:acc>
+                        <m:r>
+                          <a:rPr lang="en-US" sz="2400" b="0" i="1" smtClean="0">
+                            <a:latin typeface="Cambria Math" panose="02040503050406030204" pitchFamily="18" charset="0"/>
+                          </a:rPr>
+                          <m:t>= &lt;</m:t>
+                        </m:r>
+                        <m:r>
+                          <a:rPr lang="en-US" sz="2400" b="0" i="1" smtClean="0">
+                            <a:latin typeface="Cambria Math" panose="02040503050406030204" pitchFamily="18" charset="0"/>
+                          </a:rPr>
+                          <m:t>𝑣</m:t>
+                        </m:r>
+                        <m:r>
+                          <a:rPr lang="en-US" sz="2400" b="0" i="1" smtClean="0">
+                            <a:latin typeface="Cambria Math" panose="02040503050406030204" pitchFamily="18" charset="0"/>
+                          </a:rPr>
+                          <m:t>&gt;</m:t>
+                        </m:r>
                       </m:oMath>
                     </m:oMathPara>
                   </a14:m>
@@ -5499,10 +5446,10 @@
           <mc:Fallback xmlns="">
             <p:sp>
               <p:nvSpPr>
-                <p:cNvPr id="8" name="Rectangle 7">
+                <p:cNvPr id="9" name="Rectangle 8">
                   <a:extLst>
                     <a:ext uri="{FF2B5EF4-FFF2-40B4-BE49-F238E27FC236}">
-                      <a16:creationId xmlns:a16="http://schemas.microsoft.com/office/drawing/2014/main" id="{ED4D270E-6433-5047-B46C-1B6527386643}"/>
+                      <a16:creationId xmlns:a16="http://schemas.microsoft.com/office/drawing/2014/main" id="{0063D135-8509-0A47-929B-AC1F19881369}"/>
                     </a:ext>
                   </a:extLst>
                 </p:cNvPr>
@@ -5513,16 +5460,16 @@
               </p:nvSpPr>
               <p:spPr>
                 <a:xfrm>
-                  <a:off x="8223029" y="1676400"/>
-                  <a:ext cx="404406" cy="461665"/>
+                  <a:off x="4646452" y="1684035"/>
+                  <a:ext cx="1594796" cy="461665"/>
                 </a:xfrm>
                 <a:prstGeom prst="rect">
                   <a:avLst/>
                 </a:prstGeom>
                 <a:blipFill>
-                  <a:blip r:embed="rId4"/>
+                  <a:blip r:embed="rId3"/>
                   <a:stretch>
-                    <a:fillRect/>
+                    <a:fillRect r="-1695" b="-21622"/>
                   </a:stretch>
                 </a:blipFill>
               </p:spPr>
@@ -5545,10 +5492,10 @@
           <mc:Choice Requires="a14">
             <p:sp>
               <p:nvSpPr>
-                <p:cNvPr id="9" name="Rectangle 8">
+                <p:cNvPr id="10" name="Rectangle 9">
                   <a:extLst>
                     <a:ext uri="{FF2B5EF4-FFF2-40B4-BE49-F238E27FC236}">
-                      <a16:creationId xmlns:a16="http://schemas.microsoft.com/office/drawing/2014/main" id="{2649941E-04AC-8F46-8BDC-0F2E5F5BE1AC}"/>
+                      <a16:creationId xmlns:a16="http://schemas.microsoft.com/office/drawing/2014/main" id="{F32B8009-BC43-744D-8603-89BB4012A294}"/>
                     </a:ext>
                   </a:extLst>
                 </p:cNvPr>
@@ -5557,7 +5504,7 @@
               </p:nvSpPr>
               <p:spPr>
                 <a:xfrm>
-                  <a:off x="8223029" y="1068178"/>
+                  <a:off x="4646452" y="1075813"/>
                   <a:ext cx="531428" cy="461665"/>
                 </a:xfrm>
                 <a:prstGeom prst="rect">
@@ -5613,10 +5560,10 @@
           <mc:Fallback xmlns="">
             <p:sp>
               <p:nvSpPr>
-                <p:cNvPr id="9" name="Rectangle 8">
+                <p:cNvPr id="10" name="Rectangle 9">
                   <a:extLst>
                     <a:ext uri="{FF2B5EF4-FFF2-40B4-BE49-F238E27FC236}">
-                      <a16:creationId xmlns:a16="http://schemas.microsoft.com/office/drawing/2014/main" id="{2649941E-04AC-8F46-8BDC-0F2E5F5BE1AC}"/>
+                      <a16:creationId xmlns:a16="http://schemas.microsoft.com/office/drawing/2014/main" id="{F32B8009-BC43-744D-8603-89BB4012A294}"/>
                     </a:ext>
                   </a:extLst>
                 </p:cNvPr>
@@ -5627,14 +5574,14 @@
               </p:nvSpPr>
               <p:spPr>
                 <a:xfrm>
-                  <a:off x="8223029" y="1068178"/>
+                  <a:off x="4646452" y="1075813"/>
                   <a:ext cx="531428" cy="461665"/>
                 </a:xfrm>
                 <a:prstGeom prst="rect">
                   <a:avLst/>
                 </a:prstGeom>
                 <a:blipFill>
-                  <a:blip r:embed="rId5"/>
+                  <a:blip r:embed="rId4"/>
                   <a:stretch>
                     <a:fillRect/>
                   </a:stretch>
@@ -5659,10 +5606,10 @@
           <mc:Choice Requires="a14">
             <p:sp>
               <p:nvSpPr>
-                <p:cNvPr id="10" name="Rectangle 9">
+                <p:cNvPr id="11" name="Rectangle 10">
                   <a:extLst>
                     <a:ext uri="{FF2B5EF4-FFF2-40B4-BE49-F238E27FC236}">
-                      <a16:creationId xmlns:a16="http://schemas.microsoft.com/office/drawing/2014/main" id="{E1949772-50FA-D648-9FB2-FE6961365E99}"/>
+                      <a16:creationId xmlns:a16="http://schemas.microsoft.com/office/drawing/2014/main" id="{9DF6CF2A-DEB0-3B49-9175-1D742DA66B29}"/>
                     </a:ext>
                   </a:extLst>
                 </p:cNvPr>
@@ -5671,8 +5618,8 @@
               </p:nvSpPr>
               <p:spPr>
                 <a:xfrm>
-                  <a:off x="8199246" y="2343912"/>
-                  <a:ext cx="404406" cy="461665"/>
+                  <a:off x="4622669" y="2351547"/>
+                  <a:ext cx="2122889" cy="475451"/>
                 </a:xfrm>
                 <a:prstGeom prst="rect">
                   <a:avLst/>
@@ -5697,6 +5644,62 @@
                           </a:rPr>
                           <m:t>𝑐</m:t>
                         </m:r>
+                        <m:r>
+                          <a:rPr lang="en-US" sz="2400" i="1">
+                            <a:latin typeface="Cambria Math" panose="02040503050406030204" pitchFamily="18" charset="0"/>
+                          </a:rPr>
+                          <m:t>= &lt;</m:t>
+                        </m:r>
+                        <m:sSup>
+                          <m:sSupPr>
+                            <m:ctrlPr>
+                              <a:rPr lang="en-US" sz="2400" b="0" i="1" smtClean="0">
+                                <a:latin typeface="Cambria Math" panose="02040503050406030204" pitchFamily="18" charset="0"/>
+                              </a:rPr>
+                            </m:ctrlPr>
+                          </m:sSupPr>
+                          <m:e>
+                            <m:r>
+                              <a:rPr lang="en-US" sz="2400" i="1">
+                                <a:latin typeface="Cambria Math" panose="02040503050406030204" pitchFamily="18" charset="0"/>
+                              </a:rPr>
+                              <m:t>𝑣</m:t>
+                            </m:r>
+                          </m:e>
+                          <m:sup>
+                            <m:r>
+                              <a:rPr lang="en-US" sz="2400" b="0" i="1" smtClean="0">
+                                <a:latin typeface="Cambria Math" panose="02040503050406030204" pitchFamily="18" charset="0"/>
+                              </a:rPr>
+                              <m:t>2</m:t>
+                            </m:r>
+                          </m:sup>
+                        </m:sSup>
+                        <m:sSup>
+                          <m:sSupPr>
+                            <m:ctrlPr>
+                              <a:rPr lang="en-US" sz="2400" b="0" i="1" smtClean="0">
+                                <a:latin typeface="Cambria Math" panose="02040503050406030204" pitchFamily="18" charset="0"/>
+                              </a:rPr>
+                            </m:ctrlPr>
+                          </m:sSupPr>
+                          <m:e>
+                            <m:r>
+                              <a:rPr lang="en-US" sz="2400" i="1">
+                                <a:latin typeface="Cambria Math" panose="02040503050406030204" pitchFamily="18" charset="0"/>
+                              </a:rPr>
+                              <m:t>&gt;</m:t>
+                            </m:r>
+                          </m:e>
+                          <m:sup>
+                            <m:r>
+                              <a:rPr lang="en-US" sz="2400" b="0" i="1" smtClean="0">
+                                <a:latin typeface="Cambria Math" panose="02040503050406030204" pitchFamily="18" charset="0"/>
+                              </a:rPr>
+                              <m:t>1/2</m:t>
+                            </m:r>
+                          </m:sup>
+                        </m:sSup>
                       </m:oMath>
                     </m:oMathPara>
                   </a14:m>
@@ -5708,10 +5711,10 @@
           <mc:Fallback xmlns="">
             <p:sp>
               <p:nvSpPr>
-                <p:cNvPr id="10" name="Rectangle 9">
+                <p:cNvPr id="11" name="Rectangle 10">
                   <a:extLst>
                     <a:ext uri="{FF2B5EF4-FFF2-40B4-BE49-F238E27FC236}">
-                      <a16:creationId xmlns:a16="http://schemas.microsoft.com/office/drawing/2014/main" id="{E1949772-50FA-D648-9FB2-FE6961365E99}"/>
+                      <a16:creationId xmlns:a16="http://schemas.microsoft.com/office/drawing/2014/main" id="{9DF6CF2A-DEB0-3B49-9175-1D742DA66B29}"/>
                     </a:ext>
                   </a:extLst>
                 </p:cNvPr>
@@ -5722,16 +5725,16 @@
               </p:nvSpPr>
               <p:spPr>
                 <a:xfrm>
-                  <a:off x="8199246" y="2343912"/>
-                  <a:ext cx="404406" cy="461665"/>
+                  <a:off x="4622669" y="2351547"/>
+                  <a:ext cx="2122889" cy="475451"/>
                 </a:xfrm>
                 <a:prstGeom prst="rect">
                   <a:avLst/>
                 </a:prstGeom>
                 <a:blipFill>
-                  <a:blip r:embed="rId6"/>
+                  <a:blip r:embed="rId5"/>
                   <a:stretch>
-                    <a:fillRect/>
+                    <a:fillRect r="-1274" b="-20513"/>
                   </a:stretch>
                 </a:blipFill>
               </p:spPr>
@@ -5751,10 +5754,985 @@
           </mc:Fallback>
         </mc:AlternateContent>
       </p:grpSp>
+      <p:sp>
+        <p:nvSpPr>
+          <p:cNvPr id="12" name="TextBox 11">
+            <a:extLst>
+              <a:ext uri="{FF2B5EF4-FFF2-40B4-BE49-F238E27FC236}">
+                <a16:creationId xmlns:a16="http://schemas.microsoft.com/office/drawing/2014/main" id="{7EAD1331-D841-7041-9C7D-81D8855141CE}"/>
+              </a:ext>
+            </a:extLst>
+          </p:cNvPr>
+          <p:cNvSpPr txBox="1"/>
+          <p:nvPr/>
+        </p:nvSpPr>
+        <p:spPr>
+          <a:xfrm>
+            <a:off x="59157" y="46923"/>
+            <a:ext cx="10620530" cy="461665"/>
+          </a:xfrm>
+          <a:prstGeom prst="rect">
+            <a:avLst/>
+          </a:prstGeom>
+          <a:noFill/>
+        </p:spPr>
+        <p:txBody>
+          <a:bodyPr wrap="square" rtlCol="0">
+            <a:spAutoFit/>
+          </a:bodyPr>
+          <a:lstStyle/>
+          <a:p>
+            <a:r>
+              <a:rPr lang="en-US" sz="2400" b="1" dirty="0"/>
+              <a:t>The three c’s</a:t>
+            </a:r>
+          </a:p>
+        </p:txBody>
+      </p:sp>
+      <p:grpSp>
+        <p:nvGrpSpPr>
+          <p:cNvPr id="44" name="Group 43">
+            <a:extLst>
+              <a:ext uri="{FF2B5EF4-FFF2-40B4-BE49-F238E27FC236}">
+                <a16:creationId xmlns:a16="http://schemas.microsoft.com/office/drawing/2014/main" id="{A8CF5324-7FA4-F547-B762-7E43DAE40A48}"/>
+              </a:ext>
+            </a:extLst>
+          </p:cNvPr>
+          <p:cNvGrpSpPr/>
+          <p:nvPr/>
+        </p:nvGrpSpPr>
+        <p:grpSpPr>
+          <a:xfrm>
+            <a:off x="6679398" y="400083"/>
+            <a:ext cx="5389257" cy="5779579"/>
+            <a:chOff x="6679398" y="400083"/>
+            <a:chExt cx="5389257" cy="5779579"/>
+          </a:xfrm>
+        </p:grpSpPr>
+        <p:grpSp>
+          <p:nvGrpSpPr>
+            <p:cNvPr id="35" name="Group 34">
+              <a:extLst>
+                <a:ext uri="{FF2B5EF4-FFF2-40B4-BE49-F238E27FC236}">
+                  <a16:creationId xmlns:a16="http://schemas.microsoft.com/office/drawing/2014/main" id="{E1A7FF34-17D8-6946-A327-B5A6E4B950D4}"/>
+                </a:ext>
+              </a:extLst>
+            </p:cNvPr>
+            <p:cNvGrpSpPr/>
+            <p:nvPr/>
+          </p:nvGrpSpPr>
+          <p:grpSpPr>
+            <a:xfrm>
+              <a:off x="6679398" y="400083"/>
+              <a:ext cx="5389257" cy="5779579"/>
+              <a:chOff x="6714123" y="1001977"/>
+              <a:chExt cx="5389257" cy="5779579"/>
+            </a:xfrm>
+          </p:grpSpPr>
+          <p:grpSp>
+            <p:nvGrpSpPr>
+              <p:cNvPr id="13" name="Group 12">
+                <a:extLst>
+                  <a:ext uri="{FF2B5EF4-FFF2-40B4-BE49-F238E27FC236}">
+                    <a16:creationId xmlns:a16="http://schemas.microsoft.com/office/drawing/2014/main" id="{57878C6D-C71F-A449-9661-0AAEC63A5BF2}"/>
+                  </a:ext>
+                </a:extLst>
+              </p:cNvPr>
+              <p:cNvGrpSpPr/>
+              <p:nvPr/>
+            </p:nvGrpSpPr>
+            <p:grpSpPr>
+              <a:xfrm>
+                <a:off x="6714123" y="1001977"/>
+                <a:ext cx="5389257" cy="5779579"/>
+                <a:chOff x="5823454" y="731182"/>
+                <a:chExt cx="5272855" cy="4444480"/>
+              </a:xfrm>
+            </p:grpSpPr>
+            <p:grpSp>
+              <p:nvGrpSpPr>
+                <p:cNvPr id="14" name="Group 13">
+                  <a:extLst>
+                    <a:ext uri="{FF2B5EF4-FFF2-40B4-BE49-F238E27FC236}">
+                      <a16:creationId xmlns:a16="http://schemas.microsoft.com/office/drawing/2014/main" id="{726C769E-8418-D946-9551-00166D766B74}"/>
+                    </a:ext>
+                  </a:extLst>
+                </p:cNvPr>
+                <p:cNvGrpSpPr/>
+                <p:nvPr/>
+              </p:nvGrpSpPr>
+              <p:grpSpPr>
+                <a:xfrm>
+                  <a:off x="5823454" y="731182"/>
+                  <a:ext cx="5272855" cy="4084164"/>
+                  <a:chOff x="1630144" y="1415748"/>
+                  <a:chExt cx="2847813" cy="1916955"/>
+                </a:xfrm>
+              </p:grpSpPr>
+              <p:pic>
+                <p:nvPicPr>
+                  <p:cNvPr id="23" name="Picture 2" descr="Maxwell-Boltzmann distribution pdf.svg">
+                    <a:extLst>
+                      <a:ext uri="{FF2B5EF4-FFF2-40B4-BE49-F238E27FC236}">
+                        <a16:creationId xmlns:a16="http://schemas.microsoft.com/office/drawing/2014/main" id="{9FB6F5B4-2FB7-3140-A4CF-E9BFE993CFC5}"/>
+                      </a:ext>
+                    </a:extLst>
+                  </p:cNvPr>
+                  <p:cNvPicPr>
+                    <a:picLocks noChangeAspect="1" noChangeArrowheads="1"/>
+                  </p:cNvPicPr>
+                  <p:nvPr/>
+                </p:nvPicPr>
+                <p:blipFill rotWithShape="1">
+                  <a:blip r:embed="rId6">
+                    <a:extLst>
+                      <a:ext uri="{28A0092B-C50C-407E-A947-70E740481C1C}">
+                        <a14:useLocalDpi xmlns:a14="http://schemas.microsoft.com/office/drawing/2010/main" val="0"/>
+                      </a:ext>
+                    </a:extLst>
+                  </a:blip>
+                  <a:srcRect l="13222" b="9868"/>
+                  <a:stretch/>
+                </p:blipFill>
+                <p:spPr bwMode="auto">
+                  <a:xfrm>
+                    <a:off x="1917186" y="1415748"/>
+                    <a:ext cx="2560771" cy="1678018"/>
+                  </a:xfrm>
+                  <a:prstGeom prst="rect">
+                    <a:avLst/>
+                  </a:prstGeom>
+                  <a:noFill/>
+                  <a:extLst>
+                    <a:ext uri="{909E8E84-426E-40DD-AFC4-6F175D3DCCD1}">
+                      <a14:hiddenFill xmlns:a14="http://schemas.microsoft.com/office/drawing/2010/main">
+                        <a:solidFill>
+                          <a:srgbClr val="FFFFFF"/>
+                        </a:solidFill>
+                      </a14:hiddenFill>
+                    </a:ext>
+                  </a:extLst>
+                </p:spPr>
+              </p:pic>
+              <mc:AlternateContent xmlns:mc="http://schemas.openxmlformats.org/markup-compatibility/2006" xmlns:a14="http://schemas.microsoft.com/office/drawing/2010/main">
+                <mc:Choice Requires="a14">
+                  <p:sp>
+                    <p:nvSpPr>
+                      <p:cNvPr id="24" name="TextBox 23">
+                        <a:extLst>
+                          <a:ext uri="{FF2B5EF4-FFF2-40B4-BE49-F238E27FC236}">
+                            <a16:creationId xmlns:a16="http://schemas.microsoft.com/office/drawing/2014/main" id="{72606BED-C417-E140-8459-3C65B2510966}"/>
+                          </a:ext>
+                        </a:extLst>
+                      </p:cNvPr>
+                      <p:cNvSpPr txBox="1"/>
+                      <p:nvPr/>
+                    </p:nvSpPr>
+                    <p:spPr>
+                      <a:xfrm>
+                        <a:off x="3507687" y="3170881"/>
+                        <a:ext cx="868289" cy="161822"/>
+                      </a:xfrm>
+                      <a:prstGeom prst="rect">
+                        <a:avLst/>
+                      </a:prstGeom>
+                      <a:noFill/>
+                    </p:spPr>
+                    <p:txBody>
+                      <a:bodyPr wrap="square" rtlCol="0">
+                        <a:spAutoFit/>
+                      </a:bodyPr>
+                      <a:lstStyle/>
+                      <a:p>
+                        <a14:m>
+                          <m:oMath xmlns:m="http://schemas.openxmlformats.org/officeDocument/2006/math">
+                            <m:r>
+                              <a:rPr lang="en-US" sz="2400" b="0" i="1" smtClean="0">
+                                <a:latin typeface="Cambria Math" panose="02040503050406030204" pitchFamily="18" charset="0"/>
+                              </a:rPr>
+                              <m:t>𝑣</m:t>
+                            </m:r>
+                          </m:oMath>
+                        </a14:m>
+                        <a:r>
+                          <a:rPr lang="en-US" sz="2400" dirty="0"/>
+                          <a:t> (speed)</a:t>
+                        </a:r>
+                      </a:p>
+                    </p:txBody>
+                  </p:sp>
+                </mc:Choice>
+                <mc:Fallback xmlns="">
+                  <p:sp>
+                    <p:nvSpPr>
+                      <p:cNvPr id="24" name="TextBox 23">
+                        <a:extLst>
+                          <a:ext uri="{FF2B5EF4-FFF2-40B4-BE49-F238E27FC236}">
+                            <a16:creationId xmlns:a16="http://schemas.microsoft.com/office/drawing/2014/main" id="{72606BED-C417-E140-8459-3C65B2510966}"/>
+                          </a:ext>
+                        </a:extLst>
+                      </p:cNvPr>
+                      <p:cNvSpPr txBox="1">
+                        <a:spLocks noRot="1" noChangeAspect="1" noMove="1" noResize="1" noEditPoints="1" noAdjustHandles="1" noChangeArrowheads="1" noChangeShapeType="1" noTextEdit="1"/>
+                      </p:cNvSpPr>
+                      <p:nvPr/>
+                    </p:nvSpPr>
+                    <p:spPr>
+                      <a:xfrm>
+                        <a:off x="3507687" y="3170881"/>
+                        <a:ext cx="868289" cy="161822"/>
+                      </a:xfrm>
+                      <a:prstGeom prst="rect">
+                        <a:avLst/>
+                      </a:prstGeom>
+                      <a:blipFill>
+                        <a:blip r:embed="rId7"/>
+                        <a:stretch>
+                          <a:fillRect t="-8333" b="-33333"/>
+                        </a:stretch>
+                      </a:blipFill>
+                    </p:spPr>
+                    <p:txBody>
+                      <a:bodyPr/>
+                      <a:lstStyle/>
+                      <a:p>
+                        <a:r>
+                          <a:rPr lang="en-US">
+                            <a:noFill/>
+                          </a:rPr>
+                          <a:t> </a:t>
+                        </a:r>
+                      </a:p>
+                    </p:txBody>
+                  </p:sp>
+                </mc:Fallback>
+              </mc:AlternateContent>
+              <mc:AlternateContent xmlns:mc="http://schemas.openxmlformats.org/markup-compatibility/2006" xmlns:a14="http://schemas.microsoft.com/office/drawing/2010/main">
+                <mc:Choice Requires="a14">
+                  <p:sp>
+                    <p:nvSpPr>
+                      <p:cNvPr id="25" name="TextBox 24">
+                        <a:extLst>
+                          <a:ext uri="{FF2B5EF4-FFF2-40B4-BE49-F238E27FC236}">
+                            <a16:creationId xmlns:a16="http://schemas.microsoft.com/office/drawing/2014/main" id="{A91FC6EB-8E8B-394A-ABFD-DDABB48BA84F}"/>
+                          </a:ext>
+                        </a:extLst>
+                      </p:cNvPr>
+                      <p:cNvSpPr txBox="1"/>
+                      <p:nvPr/>
+                    </p:nvSpPr>
+                    <p:spPr>
+                      <a:xfrm>
+                        <a:off x="1630144" y="1808040"/>
+                        <a:ext cx="287043" cy="166633"/>
+                      </a:xfrm>
+                      <a:prstGeom prst="rect">
+                        <a:avLst/>
+                      </a:prstGeom>
+                      <a:noFill/>
+                    </p:spPr>
+                    <p:txBody>
+                      <a:bodyPr wrap="square" rtlCol="0">
+                        <a:spAutoFit/>
+                      </a:bodyPr>
+                      <a:lstStyle/>
+                      <a:p>
+                        <a:pPr/>
+                        <a14:m>
+                          <m:oMathPara xmlns:m="http://schemas.openxmlformats.org/officeDocument/2006/math">
+                            <m:oMathParaPr>
+                              <m:jc m:val="centerGroup"/>
+                            </m:oMathParaPr>
+                            <m:oMath xmlns:m="http://schemas.openxmlformats.org/officeDocument/2006/math">
+                              <m:sSub>
+                                <m:sSubPr>
+                                  <m:ctrlPr>
+                                    <a:rPr lang="en-US" sz="2400" i="1" dirty="0" smtClean="0">
+                                      <a:latin typeface="Cambria Math" panose="02040503050406030204" pitchFamily="18" charset="0"/>
+                                    </a:rPr>
+                                  </m:ctrlPr>
+                                </m:sSubPr>
+                                <m:e>
+                                  <m:r>
+                                    <a:rPr lang="en-US" sz="2400" b="0" i="1" dirty="0" smtClean="0">
+                                      <a:latin typeface="Cambria Math" panose="02040503050406030204" pitchFamily="18" charset="0"/>
+                                    </a:rPr>
+                                    <m:t>𝑓</m:t>
+                                  </m:r>
+                                </m:e>
+                                <m:sub>
+                                  <m:r>
+                                    <a:rPr lang="en-US" sz="2400" b="0" i="1" dirty="0" smtClean="0">
+                                      <a:latin typeface="Cambria Math" panose="02040503050406030204" pitchFamily="18" charset="0"/>
+                                    </a:rPr>
+                                    <m:t>𝑀</m:t>
+                                  </m:r>
+                                </m:sub>
+                              </m:sSub>
+                            </m:oMath>
+                          </m:oMathPara>
+                        </a14:m>
+                        <a:endParaRPr lang="en-US" sz="2400" dirty="0"/>
+                      </a:p>
+                    </p:txBody>
+                  </p:sp>
+                </mc:Choice>
+                <mc:Fallback xmlns="">
+                  <p:sp>
+                    <p:nvSpPr>
+                      <p:cNvPr id="25" name="TextBox 24">
+                        <a:extLst>
+                          <a:ext uri="{FF2B5EF4-FFF2-40B4-BE49-F238E27FC236}">
+                            <a16:creationId xmlns:a16="http://schemas.microsoft.com/office/drawing/2014/main" id="{A91FC6EB-8E8B-394A-ABFD-DDABB48BA84F}"/>
+                          </a:ext>
+                        </a:extLst>
+                      </p:cNvPr>
+                      <p:cNvSpPr txBox="1">
+                        <a:spLocks noRot="1" noChangeAspect="1" noMove="1" noResize="1" noEditPoints="1" noAdjustHandles="1" noChangeArrowheads="1" noChangeShapeType="1" noTextEdit="1"/>
+                      </p:cNvSpPr>
+                      <p:nvPr/>
+                    </p:nvSpPr>
+                    <p:spPr>
+                      <a:xfrm>
+                        <a:off x="1630144" y="1808040"/>
+                        <a:ext cx="287043" cy="166633"/>
+                      </a:xfrm>
+                      <a:prstGeom prst="rect">
+                        <a:avLst/>
+                      </a:prstGeom>
+                      <a:blipFill>
+                        <a:blip r:embed="rId8"/>
+                        <a:stretch>
+                          <a:fillRect l="-9302" b="-16216"/>
+                        </a:stretch>
+                      </a:blipFill>
+                    </p:spPr>
+                    <p:txBody>
+                      <a:bodyPr/>
+                      <a:lstStyle/>
+                      <a:p>
+                        <a:r>
+                          <a:rPr lang="en-US">
+                            <a:noFill/>
+                          </a:rPr>
+                          <a:t> </a:t>
+                        </a:r>
+                      </a:p>
+                    </p:txBody>
+                  </p:sp>
+                </mc:Fallback>
+              </mc:AlternateContent>
+            </p:grpSp>
+            <p:grpSp>
+              <p:nvGrpSpPr>
+                <p:cNvPr id="15" name="Group 14">
+                  <a:extLst>
+                    <a:ext uri="{FF2B5EF4-FFF2-40B4-BE49-F238E27FC236}">
+                      <a16:creationId xmlns:a16="http://schemas.microsoft.com/office/drawing/2014/main" id="{3CCFAF19-1091-0149-B0CE-B3F8818F20E4}"/>
+                    </a:ext>
+                  </a:extLst>
+                </p:cNvPr>
+                <p:cNvGrpSpPr/>
+                <p:nvPr/>
+              </p:nvGrpSpPr>
+              <p:grpSpPr>
+                <a:xfrm>
+                  <a:off x="7314443" y="4306280"/>
+                  <a:ext cx="1667125" cy="869382"/>
+                  <a:chOff x="5677860" y="3859968"/>
+                  <a:chExt cx="1667125" cy="869382"/>
+                </a:xfrm>
+              </p:grpSpPr>
+              <mc:AlternateContent xmlns:mc="http://schemas.openxmlformats.org/markup-compatibility/2006" xmlns:a14="http://schemas.microsoft.com/office/drawing/2010/main">
+                <mc:Choice Requires="a14">
+                  <p:sp>
+                    <p:nvSpPr>
+                      <p:cNvPr id="20" name="Rectangle 19">
+                        <a:extLst>
+                          <a:ext uri="{FF2B5EF4-FFF2-40B4-BE49-F238E27FC236}">
+                            <a16:creationId xmlns:a16="http://schemas.microsoft.com/office/drawing/2014/main" id="{FBB1F2F7-FCD2-1746-8216-E253DE88F2AE}"/>
+                          </a:ext>
+                        </a:extLst>
+                      </p:cNvPr>
+                      <p:cNvSpPr/>
+                      <p:nvPr/>
+                    </p:nvSpPr>
+                    <p:spPr>
+                      <a:xfrm>
+                        <a:off x="5677860" y="4374331"/>
+                        <a:ext cx="1667125" cy="355019"/>
+                      </a:xfrm>
+                      <a:prstGeom prst="rect">
+                        <a:avLst/>
+                      </a:prstGeom>
+                    </p:spPr>
+                    <p:txBody>
+                      <a:bodyPr wrap="none">
+                        <a:spAutoFit/>
+                      </a:bodyPr>
+                      <a:lstStyle/>
+                      <a:p>
+                        <a14:m>
+                          <m:oMath xmlns:m="http://schemas.openxmlformats.org/officeDocument/2006/math">
+                            <m:sSup>
+                              <m:sSupPr>
+                                <m:ctrlPr>
+                                  <a:rPr lang="en-US" sz="2400" i="1" smtClean="0">
+                                    <a:solidFill>
+                                      <a:schemeClr val="tx1"/>
+                                    </a:solidFill>
+                                    <a:latin typeface="Cambria Math" panose="02040503050406030204" pitchFamily="18" charset="0"/>
+                                  </a:rPr>
+                                </m:ctrlPr>
+                              </m:sSupPr>
+                              <m:e>
+                                <m:r>
+                                  <a:rPr lang="en-US" sz="2400" i="1">
+                                    <a:solidFill>
+                                      <a:schemeClr val="tx1"/>
+                                    </a:solidFill>
+                                    <a:latin typeface="Cambria Math" panose="02040503050406030204" pitchFamily="18" charset="0"/>
+                                  </a:rPr>
+                                  <m:t>𝑐</m:t>
+                                </m:r>
+                              </m:e>
+                              <m:sup>
+                                <m:r>
+                                  <a:rPr lang="en-US" sz="2400" i="1">
+                                    <a:solidFill>
+                                      <a:schemeClr val="tx1"/>
+                                    </a:solidFill>
+                                    <a:latin typeface="Cambria Math" panose="02040503050406030204" pitchFamily="18" charset="0"/>
+                                  </a:rPr>
+                                  <m:t>∗</m:t>
+                                </m:r>
+                              </m:sup>
+                            </m:sSup>
+                            <m:r>
+                              <a:rPr lang="en-US" sz="2400" b="0" i="0" smtClean="0">
+                                <a:solidFill>
+                                  <a:schemeClr val="tx1"/>
+                                </a:solidFill>
+                                <a:latin typeface="Cambria Math" panose="02040503050406030204" pitchFamily="18" charset="0"/>
+                              </a:rPr>
+                              <m:t>&lt;</m:t>
+                            </m:r>
+                            <m:acc>
+                              <m:accPr>
+                                <m:chr m:val="̅"/>
+                                <m:ctrlPr>
+                                  <a:rPr lang="en-US" sz="2400" i="1">
+                                    <a:latin typeface="Cambria Math" panose="02040503050406030204" pitchFamily="18" charset="0"/>
+                                  </a:rPr>
+                                </m:ctrlPr>
+                              </m:accPr>
+                              <m:e>
+                                <m:r>
+                                  <a:rPr lang="en-US" sz="2400" i="1">
+                                    <a:latin typeface="Cambria Math" panose="02040503050406030204" pitchFamily="18" charset="0"/>
+                                  </a:rPr>
+                                  <m:t>𝑐</m:t>
+                                </m:r>
+                              </m:e>
+                            </m:acc>
+                            <m:r>
+                              <a:rPr lang="en-US" sz="2400" b="0" i="1" smtClean="0">
+                                <a:latin typeface="Cambria Math" panose="02040503050406030204" pitchFamily="18" charset="0"/>
+                              </a:rPr>
+                              <m:t>&lt;</m:t>
+                            </m:r>
+                            <m:r>
+                              <a:rPr lang="en-US" sz="2400" b="0" i="1" smtClean="0">
+                                <a:latin typeface="Cambria Math" panose="02040503050406030204" pitchFamily="18" charset="0"/>
+                              </a:rPr>
+                              <m:t>𝑐</m:t>
+                            </m:r>
+                            <m:r>
+                              <a:rPr lang="en-US" sz="2400" b="0" i="1" smtClean="0">
+                                <a:latin typeface="Cambria Math" panose="02040503050406030204" pitchFamily="18" charset="0"/>
+                              </a:rPr>
+                              <m:t> </m:t>
+                            </m:r>
+                          </m:oMath>
+                        </a14:m>
+                        <a:r>
+                          <a:rPr lang="en-US" sz="2400" dirty="0">
+                            <a:solidFill>
+                              <a:srgbClr val="00B050"/>
+                            </a:solidFill>
+                          </a:rPr>
+                          <a:t> </a:t>
+                        </a:r>
+                      </a:p>
+                    </p:txBody>
+                  </p:sp>
+                </mc:Choice>
+                <mc:Fallback xmlns="">
+                  <p:sp>
+                    <p:nvSpPr>
+                      <p:cNvPr id="20" name="Rectangle 19">
+                        <a:extLst>
+                          <a:ext uri="{FF2B5EF4-FFF2-40B4-BE49-F238E27FC236}">
+                            <a16:creationId xmlns:a16="http://schemas.microsoft.com/office/drawing/2014/main" id="{FBB1F2F7-FCD2-1746-8216-E253DE88F2AE}"/>
+                          </a:ext>
+                        </a:extLst>
+                      </p:cNvPr>
+                      <p:cNvSpPr>
+                        <a:spLocks noRot="1" noChangeAspect="1" noMove="1" noResize="1" noEditPoints="1" noAdjustHandles="1" noChangeArrowheads="1" noChangeShapeType="1" noTextEdit="1"/>
+                      </p:cNvSpPr>
+                      <p:nvPr/>
+                    </p:nvSpPr>
+                    <p:spPr>
+                      <a:xfrm>
+                        <a:off x="5677860" y="4374331"/>
+                        <a:ext cx="1667125" cy="355019"/>
+                      </a:xfrm>
+                      <a:prstGeom prst="rect">
+                        <a:avLst/>
+                      </a:prstGeom>
+                      <a:blipFill>
+                        <a:blip r:embed="rId9"/>
+                        <a:stretch>
+                          <a:fillRect b="-21622"/>
+                        </a:stretch>
+                      </a:blipFill>
+                    </p:spPr>
+                    <p:txBody>
+                      <a:bodyPr/>
+                      <a:lstStyle/>
+                      <a:p>
+                        <a:r>
+                          <a:rPr lang="en-US">
+                            <a:noFill/>
+                          </a:rPr>
+                          <a:t> </a:t>
+                        </a:r>
+                      </a:p>
+                    </p:txBody>
+                  </p:sp>
+                </mc:Fallback>
+              </mc:AlternateContent>
+              <p:cxnSp>
+                <p:nvCxnSpPr>
+                  <p:cNvPr id="17" name="Straight Arrow Connector 16">
+                    <a:extLst>
+                      <a:ext uri="{FF2B5EF4-FFF2-40B4-BE49-F238E27FC236}">
+                        <a16:creationId xmlns:a16="http://schemas.microsoft.com/office/drawing/2014/main" id="{7A2BFE98-151D-9548-99EF-C2A16ED8DC57}"/>
+                      </a:ext>
+                    </a:extLst>
+                  </p:cNvPr>
+                  <p:cNvCxnSpPr>
+                    <a:cxnSpLocks/>
+                  </p:cNvCxnSpPr>
+                  <p:nvPr/>
+                </p:nvCxnSpPr>
+                <p:spPr>
+                  <a:xfrm flipV="1">
+                    <a:off x="5965487" y="3859968"/>
+                    <a:ext cx="302202" cy="514363"/>
+                  </a:xfrm>
+                  <a:prstGeom prst="straightConnector1">
+                    <a:avLst/>
+                  </a:prstGeom>
+                  <a:ln w="25400">
+                    <a:solidFill>
+                      <a:srgbClr val="00B050"/>
+                    </a:solidFill>
+                    <a:tailEnd type="triangle"/>
+                  </a:ln>
+                </p:spPr>
+                <p:style>
+                  <a:lnRef idx="1">
+                    <a:schemeClr val="accent1"/>
+                  </a:lnRef>
+                  <a:fillRef idx="0">
+                    <a:schemeClr val="accent1"/>
+                  </a:fillRef>
+                  <a:effectRef idx="0">
+                    <a:schemeClr val="accent1"/>
+                  </a:effectRef>
+                  <a:fontRef idx="minor">
+                    <a:schemeClr val="tx1"/>
+                  </a:fontRef>
+                </p:style>
+              </p:cxnSp>
+              <p:cxnSp>
+                <p:nvCxnSpPr>
+                  <p:cNvPr id="18" name="Straight Arrow Connector 17">
+                    <a:extLst>
+                      <a:ext uri="{FF2B5EF4-FFF2-40B4-BE49-F238E27FC236}">
+                        <a16:creationId xmlns:a16="http://schemas.microsoft.com/office/drawing/2014/main" id="{5414D243-9687-1046-B22E-E32C5E91DD7E}"/>
+                      </a:ext>
+                    </a:extLst>
+                  </p:cNvPr>
+                  <p:cNvCxnSpPr>
+                    <a:cxnSpLocks/>
+                    <a:stCxn id="20" idx="0"/>
+                  </p:cNvCxnSpPr>
+                  <p:nvPr/>
+                </p:nvCxnSpPr>
+                <p:spPr>
+                  <a:xfrm flipV="1">
+                    <a:off x="6511422" y="3859969"/>
+                    <a:ext cx="0" cy="514362"/>
+                  </a:xfrm>
+                  <a:prstGeom prst="straightConnector1">
+                    <a:avLst/>
+                  </a:prstGeom>
+                  <a:ln w="25400">
+                    <a:solidFill>
+                      <a:srgbClr val="00B050"/>
+                    </a:solidFill>
+                    <a:tailEnd type="triangle"/>
+                  </a:ln>
+                </p:spPr>
+                <p:style>
+                  <a:lnRef idx="1">
+                    <a:schemeClr val="accent1"/>
+                  </a:lnRef>
+                  <a:fillRef idx="0">
+                    <a:schemeClr val="accent1"/>
+                  </a:fillRef>
+                  <a:effectRef idx="0">
+                    <a:schemeClr val="accent1"/>
+                  </a:effectRef>
+                  <a:fontRef idx="minor">
+                    <a:schemeClr val="tx1"/>
+                  </a:fontRef>
+                </p:style>
+              </p:cxnSp>
+              <p:cxnSp>
+                <p:nvCxnSpPr>
+                  <p:cNvPr id="19" name="Straight Arrow Connector 18">
+                    <a:extLst>
+                      <a:ext uri="{FF2B5EF4-FFF2-40B4-BE49-F238E27FC236}">
+                        <a16:creationId xmlns:a16="http://schemas.microsoft.com/office/drawing/2014/main" id="{137DCCAC-6BC8-9F49-99B8-1EF65B0AAD34}"/>
+                      </a:ext>
+                    </a:extLst>
+                  </p:cNvPr>
+                  <p:cNvCxnSpPr>
+                    <a:cxnSpLocks/>
+                  </p:cNvCxnSpPr>
+                  <p:nvPr/>
+                </p:nvCxnSpPr>
+                <p:spPr>
+                  <a:xfrm flipH="1" flipV="1">
+                    <a:off x="6755155" y="3859968"/>
+                    <a:ext cx="238626" cy="509067"/>
+                  </a:xfrm>
+                  <a:prstGeom prst="straightConnector1">
+                    <a:avLst/>
+                  </a:prstGeom>
+                  <a:ln w="25400">
+                    <a:solidFill>
+                      <a:srgbClr val="00B050"/>
+                    </a:solidFill>
+                    <a:tailEnd type="triangle"/>
+                  </a:ln>
+                </p:spPr>
+                <p:style>
+                  <a:lnRef idx="1">
+                    <a:schemeClr val="accent1"/>
+                  </a:lnRef>
+                  <a:fillRef idx="0">
+                    <a:schemeClr val="accent1"/>
+                  </a:fillRef>
+                  <a:effectRef idx="0">
+                    <a:schemeClr val="accent1"/>
+                  </a:effectRef>
+                  <a:fontRef idx="minor">
+                    <a:schemeClr val="tx1"/>
+                  </a:fontRef>
+                </p:style>
+              </p:cxnSp>
+            </p:grpSp>
+          </p:grpSp>
+          <p:pic>
+            <p:nvPicPr>
+              <p:cNvPr id="34" name="Picture 33">
+                <a:extLst>
+                  <a:ext uri="{FF2B5EF4-FFF2-40B4-BE49-F238E27FC236}">
+                    <a16:creationId xmlns:a16="http://schemas.microsoft.com/office/drawing/2014/main" id="{5D2BA563-F438-424D-9D1A-2DDEF64D6AD4}"/>
+                  </a:ext>
+                </a:extLst>
+              </p:cNvPr>
+              <p:cNvPicPr>
+                <a:picLocks noChangeAspect="1"/>
+              </p:cNvPicPr>
+              <p:nvPr/>
+            </p:nvPicPr>
+            <p:blipFill>
+              <a:blip r:embed="rId10"/>
+              <a:stretch>
+                <a:fillRect/>
+              </a:stretch>
+            </p:blipFill>
+            <p:spPr>
+              <a:xfrm>
+                <a:off x="10176990" y="1222771"/>
+                <a:ext cx="1537990" cy="1393107"/>
+              </a:xfrm>
+              <a:prstGeom prst="rect">
+                <a:avLst/>
+              </a:prstGeom>
+            </p:spPr>
+          </p:pic>
+        </p:grpSp>
+        <p:grpSp>
+          <p:nvGrpSpPr>
+            <p:cNvPr id="43" name="Group 42">
+              <a:extLst>
+                <a:ext uri="{FF2B5EF4-FFF2-40B4-BE49-F238E27FC236}">
+                  <a16:creationId xmlns:a16="http://schemas.microsoft.com/office/drawing/2014/main" id="{10881E24-0D95-8C4F-AB1D-8C63B0C912CA}"/>
+                </a:ext>
+              </a:extLst>
+            </p:cNvPr>
+            <p:cNvGrpSpPr/>
+            <p:nvPr/>
+          </p:nvGrpSpPr>
+          <p:grpSpPr>
+            <a:xfrm>
+              <a:off x="8851530" y="4197527"/>
+              <a:ext cx="452849" cy="810316"/>
+              <a:chOff x="8851530" y="4197527"/>
+              <a:chExt cx="452849" cy="810316"/>
+            </a:xfrm>
+          </p:grpSpPr>
+          <p:cxnSp>
+            <p:nvCxnSpPr>
+              <p:cNvPr id="39" name="Straight Connector 38">
+                <a:extLst>
+                  <a:ext uri="{FF2B5EF4-FFF2-40B4-BE49-F238E27FC236}">
+                    <a16:creationId xmlns:a16="http://schemas.microsoft.com/office/drawing/2014/main" id="{0DE5E039-B846-CF47-965E-560E892958A6}"/>
+                  </a:ext>
+                </a:extLst>
+              </p:cNvPr>
+              <p:cNvCxnSpPr>
+                <a:cxnSpLocks/>
+              </p:cNvCxnSpPr>
+              <p:nvPr/>
+            </p:nvCxnSpPr>
+            <p:spPr>
+              <a:xfrm>
+                <a:off x="9304379" y="4284617"/>
+                <a:ext cx="0" cy="723226"/>
+              </a:xfrm>
+              <a:prstGeom prst="line">
+                <a:avLst/>
+              </a:prstGeom>
+              <a:ln w="25400">
+                <a:solidFill>
+                  <a:srgbClr val="00B050"/>
+                </a:solidFill>
+                <a:prstDash val="sysDash"/>
+              </a:ln>
+            </p:spPr>
+            <p:style>
+              <a:lnRef idx="1">
+                <a:schemeClr val="accent1"/>
+              </a:lnRef>
+              <a:fillRef idx="0">
+                <a:schemeClr val="accent1"/>
+              </a:fillRef>
+              <a:effectRef idx="0">
+                <a:schemeClr val="accent1"/>
+              </a:effectRef>
+              <a:fontRef idx="minor">
+                <a:schemeClr val="tx1"/>
+              </a:fontRef>
+            </p:style>
+          </p:cxnSp>
+          <p:cxnSp>
+            <p:nvCxnSpPr>
+              <p:cNvPr id="41" name="Straight Connector 40">
+                <a:extLst>
+                  <a:ext uri="{FF2B5EF4-FFF2-40B4-BE49-F238E27FC236}">
+                    <a16:creationId xmlns:a16="http://schemas.microsoft.com/office/drawing/2014/main" id="{70B90EC8-42A6-FE44-8263-01FCF83DED45}"/>
+                  </a:ext>
+                </a:extLst>
+              </p:cNvPr>
+              <p:cNvCxnSpPr>
+                <a:cxnSpLocks/>
+              </p:cNvCxnSpPr>
+              <p:nvPr/>
+            </p:nvCxnSpPr>
+            <p:spPr>
+              <a:xfrm>
+                <a:off x="9077953" y="4228009"/>
+                <a:ext cx="0" cy="723226"/>
+              </a:xfrm>
+              <a:prstGeom prst="line">
+                <a:avLst/>
+              </a:prstGeom>
+              <a:ln w="25400">
+                <a:solidFill>
+                  <a:srgbClr val="00B050"/>
+                </a:solidFill>
+                <a:prstDash val="sysDash"/>
+              </a:ln>
+            </p:spPr>
+            <p:style>
+              <a:lnRef idx="1">
+                <a:schemeClr val="accent1"/>
+              </a:lnRef>
+              <a:fillRef idx="0">
+                <a:schemeClr val="accent1"/>
+              </a:fillRef>
+              <a:effectRef idx="0">
+                <a:schemeClr val="accent1"/>
+              </a:effectRef>
+              <a:fontRef idx="minor">
+                <a:schemeClr val="tx1"/>
+              </a:fontRef>
+            </p:style>
+          </p:cxnSp>
+          <p:cxnSp>
+            <p:nvCxnSpPr>
+              <p:cNvPr id="42" name="Straight Connector 41">
+                <a:extLst>
+                  <a:ext uri="{FF2B5EF4-FFF2-40B4-BE49-F238E27FC236}">
+                    <a16:creationId xmlns:a16="http://schemas.microsoft.com/office/drawing/2014/main" id="{97E9406D-FFDB-5D4D-A9B5-48B250DAD4C2}"/>
+                  </a:ext>
+                </a:extLst>
+              </p:cNvPr>
+              <p:cNvCxnSpPr>
+                <a:cxnSpLocks/>
+              </p:cNvCxnSpPr>
+              <p:nvPr/>
+            </p:nvCxnSpPr>
+            <p:spPr>
+              <a:xfrm>
+                <a:off x="8851530" y="4197527"/>
+                <a:ext cx="0" cy="723226"/>
+              </a:xfrm>
+              <a:prstGeom prst="line">
+                <a:avLst/>
+              </a:prstGeom>
+              <a:ln w="25400">
+                <a:solidFill>
+                  <a:srgbClr val="00B050"/>
+                </a:solidFill>
+                <a:prstDash val="sysDash"/>
+              </a:ln>
+            </p:spPr>
+            <p:style>
+              <a:lnRef idx="1">
+                <a:schemeClr val="accent1"/>
+              </a:lnRef>
+              <a:fillRef idx="0">
+                <a:schemeClr val="accent1"/>
+              </a:fillRef>
+              <a:effectRef idx="0">
+                <a:schemeClr val="accent1"/>
+              </a:effectRef>
+              <a:fontRef idx="minor">
+                <a:schemeClr val="tx1"/>
+              </a:fontRef>
+            </p:style>
+          </p:cxnSp>
+        </p:grpSp>
+      </p:grpSp>
+      <mc:AlternateContent xmlns:mc="http://schemas.openxmlformats.org/markup-compatibility/2006" xmlns:a14="http://schemas.microsoft.com/office/drawing/2010/main">
+        <mc:Choice Requires="a14">
+          <p:sp>
+            <p:nvSpPr>
+              <p:cNvPr id="2" name="TextBox 1">
+                <a:extLst>
+                  <a:ext uri="{FF2B5EF4-FFF2-40B4-BE49-F238E27FC236}">
+                    <a16:creationId xmlns:a16="http://schemas.microsoft.com/office/drawing/2014/main" id="{C2E59D3E-7D0C-A041-8894-B0F8CA25CBFF}"/>
+                  </a:ext>
+                </a:extLst>
+              </p:cNvPr>
+              <p:cNvSpPr txBox="1"/>
+              <p:nvPr/>
+            </p:nvSpPr>
+            <p:spPr>
+              <a:xfrm>
+                <a:off x="646671" y="4027411"/>
+                <a:ext cx="5571656" cy="830997"/>
+              </a:xfrm>
+              <a:prstGeom prst="rect">
+                <a:avLst/>
+              </a:prstGeom>
+              <a:noFill/>
+            </p:spPr>
+            <p:txBody>
+              <a:bodyPr wrap="square" rtlCol="0">
+                <a:spAutoFit/>
+              </a:bodyPr>
+              <a:lstStyle/>
+              <a:p>
+                <a:r>
+                  <a:rPr lang="en-US" sz="2400" dirty="0"/>
+                  <a:t>The </a:t>
+                </a:r>
+                <a14:m>
+                  <m:oMath xmlns:m="http://schemas.openxmlformats.org/officeDocument/2006/math">
+                    <m:r>
+                      <a:rPr lang="en-US" sz="2400" i="1" dirty="0" smtClean="0">
+                        <a:latin typeface="Cambria Math" panose="02040503050406030204" pitchFamily="18" charset="0"/>
+                      </a:rPr>
+                      <m:t>&lt;…&gt; </m:t>
+                    </m:r>
+                  </m:oMath>
+                </a14:m>
+                <a:r>
+                  <a:rPr lang="en-US" sz="2400" dirty="0"/>
+                  <a:t>notation means “take the average of what’s inside the brackets” </a:t>
+                </a:r>
+              </a:p>
+            </p:txBody>
+          </p:sp>
+        </mc:Choice>
+        <mc:Fallback xmlns="">
+          <p:sp>
+            <p:nvSpPr>
+              <p:cNvPr id="2" name="TextBox 1">
+                <a:extLst>
+                  <a:ext uri="{FF2B5EF4-FFF2-40B4-BE49-F238E27FC236}">
+                    <a16:creationId xmlns:a16="http://schemas.microsoft.com/office/drawing/2014/main" id="{C2E59D3E-7D0C-A041-8894-B0F8CA25CBFF}"/>
+                  </a:ext>
+                </a:extLst>
+              </p:cNvPr>
+              <p:cNvSpPr txBox="1">
+                <a:spLocks noRot="1" noChangeAspect="1" noMove="1" noResize="1" noEditPoints="1" noAdjustHandles="1" noChangeArrowheads="1" noChangeShapeType="1" noTextEdit="1"/>
+              </p:cNvSpPr>
+              <p:nvPr/>
+            </p:nvSpPr>
+            <p:spPr>
+              <a:xfrm>
+                <a:off x="646671" y="4027411"/>
+                <a:ext cx="5571656" cy="830997"/>
+              </a:xfrm>
+              <a:prstGeom prst="rect">
+                <a:avLst/>
+              </a:prstGeom>
+              <a:blipFill>
+                <a:blip r:embed="rId11"/>
+                <a:stretch>
+                  <a:fillRect l="-1591" t="-4545" b="-15152"/>
+                </a:stretch>
+              </a:blipFill>
+            </p:spPr>
+            <p:txBody>
+              <a:bodyPr/>
+              <a:lstStyle/>
+              <a:p>
+                <a:r>
+                  <a:rPr lang="en-US">
+                    <a:noFill/>
+                  </a:rPr>
+                  <a:t> </a:t>
+                </a:r>
+              </a:p>
+            </p:txBody>
+          </p:sp>
+        </mc:Fallback>
+      </mc:AlternateContent>
     </p:spTree>
     <p:extLst>
       <p:ext uri="{BB962C8B-B14F-4D97-AF65-F5344CB8AC3E}">
-        <p14:creationId xmlns:p14="http://schemas.microsoft.com/office/powerpoint/2010/main" val="367595208"/>
+        <p14:creationId xmlns:p14="http://schemas.microsoft.com/office/powerpoint/2010/main" val="2555864203"/>
       </p:ext>
     </p:extLst>
   </p:cSld>
@@ -5781,8 +6759,8 @@
           <a:chExt cx="0" cy="0"/>
         </a:xfrm>
       </p:grpSpPr>
-      <mc:AlternateContent xmlns:mc="http://schemas.openxmlformats.org/markup-compatibility/2006" xmlns:a14="http://schemas.microsoft.com/office/drawing/2010/main">
-        <mc:Choice Requires="a14">
+      <mc:AlternateContent xmlns:mc="http://schemas.openxmlformats.org/markup-compatibility/2006">
+        <mc:Choice xmlns:a14="http://schemas.microsoft.com/office/drawing/2010/main" Requires="a14">
           <p:sp>
             <p:nvSpPr>
               <p:cNvPr id="5" name="TextBox 4">
@@ -5797,8 +6775,8 @@
             </p:nvSpPr>
             <p:spPr>
               <a:xfrm>
-                <a:off x="353568" y="3206496"/>
-                <a:ext cx="5108448" cy="3303597"/>
+                <a:off x="813674" y="3278686"/>
+                <a:ext cx="4752474" cy="1882631"/>
               </a:xfrm>
               <a:prstGeom prst="rect">
                 <a:avLst/>
@@ -5813,15 +6791,45 @@
               <a:p>
                 <a:r>
                   <a:rPr lang="en-US" sz="2400" dirty="0"/>
-                  <a:t>It </a:t>
-                </a:r>
-                <a:r>
-                  <a:rPr lang="en-US" sz="2400" i="1" dirty="0"/>
-                  <a:t>looks</a:t>
-                </a:r>
+                  <a:t>Can you use these formulas to prove that </a:t>
+                </a:r>
+                <a14:m>
+                  <m:oMath xmlns:m="http://schemas.openxmlformats.org/officeDocument/2006/math">
+                    <m:acc>
+                      <m:accPr>
+                        <m:chr m:val="̅"/>
+                        <m:ctrlPr>
+                          <a:rPr lang="en-US" sz="2400" i="1">
+                            <a:latin typeface="Cambria Math" panose="02040503050406030204" pitchFamily="18" charset="0"/>
+                          </a:rPr>
+                        </m:ctrlPr>
+                      </m:accPr>
+                      <m:e>
+                        <m:r>
+                          <a:rPr lang="en-US" sz="2400" i="1">
+                            <a:latin typeface="Cambria Math" panose="02040503050406030204" pitchFamily="18" charset="0"/>
+                          </a:rPr>
+                          <m:t>𝑐</m:t>
+                        </m:r>
+                      </m:e>
+                    </m:acc>
+                    <m:r>
+                      <a:rPr lang="en-US" sz="2400" b="0" i="1" smtClean="0">
+                        <a:latin typeface="Cambria Math" panose="02040503050406030204" pitchFamily="18" charset="0"/>
+                      </a:rPr>
+                      <m:t>&gt;</m:t>
+                    </m:r>
+                    <m:r>
+                      <a:rPr lang="en-US" sz="2400" b="0" i="1" smtClean="0">
+                        <a:latin typeface="Cambria Math" panose="02040503050406030204" pitchFamily="18" charset="0"/>
+                      </a:rPr>
+                      <m:t>𝑐</m:t>
+                    </m:r>
+                  </m:oMath>
+                </a14:m>
                 <a:r>
                   <a:rPr lang="en-US" sz="2400" dirty="0"/>
-                  <a:t> like average speeds are greater than most probable speeds. Is that consistent with the above formulas?</a:t>
+                  <a:t>?</a:t>
                 </a:r>
               </a:p>
               <a:p>
@@ -5832,7 +6840,7 @@
                 <a14:m>
                   <m:oMathPara xmlns:m="http://schemas.openxmlformats.org/officeDocument/2006/math">
                     <m:oMathParaPr>
-                      <m:jc m:val="centerGroup"/>
+                      <m:jc m:val="left"/>
                     </m:oMathParaPr>
                     <m:oMath xmlns:m="http://schemas.openxmlformats.org/officeDocument/2006/math">
                       <m:f>
@@ -5897,278 +6905,11 @@
                         </a:rPr>
                         <m:t>=</m:t>
                       </m:r>
-                      <m:rad>
-                        <m:radPr>
-                          <m:degHide m:val="on"/>
-                          <m:ctrlPr>
-                            <a:rPr lang="en-US" sz="2400" b="0" i="1" smtClean="0">
-                              <a:latin typeface="Cambria Math" panose="02040503050406030204" pitchFamily="18" charset="0"/>
-                            </a:rPr>
-                          </m:ctrlPr>
-                        </m:radPr>
-                        <m:deg/>
-                        <m:e>
-                          <m:r>
-                            <a:rPr lang="en-US" sz="2400" b="0" i="1" smtClean="0">
-                              <a:latin typeface="Cambria Math" panose="02040503050406030204" pitchFamily="18" charset="0"/>
-                            </a:rPr>
-                            <m:t>8</m:t>
-                          </m:r>
-                          <m:sSub>
-                            <m:sSubPr>
-                              <m:ctrlPr>
-                                <a:rPr lang="en-US" sz="2400" b="0" i="1" smtClean="0">
-                                  <a:latin typeface="Cambria Math" panose="02040503050406030204" pitchFamily="18" charset="0"/>
-                                </a:rPr>
-                              </m:ctrlPr>
-                            </m:sSubPr>
-                            <m:e>
-                              <m:r>
-                                <a:rPr lang="en-US" sz="2400" b="0" i="1" smtClean="0">
-                                  <a:latin typeface="Cambria Math" panose="02040503050406030204" pitchFamily="18" charset="0"/>
-                                </a:rPr>
-                                <m:t>𝑘</m:t>
-                              </m:r>
-                            </m:e>
-                            <m:sub>
-                              <m:r>
-                                <a:rPr lang="en-US" sz="2400" b="0" i="1" smtClean="0">
-                                  <a:latin typeface="Cambria Math" panose="02040503050406030204" pitchFamily="18" charset="0"/>
-                                </a:rPr>
-                                <m:t>𝐵</m:t>
-                              </m:r>
-                            </m:sub>
-                          </m:sSub>
-                          <m:r>
-                            <a:rPr lang="en-US" sz="2400" b="0" i="1" smtClean="0">
-                              <a:latin typeface="Cambria Math" panose="02040503050406030204" pitchFamily="18" charset="0"/>
-                            </a:rPr>
-                            <m:t>𝑇</m:t>
-                          </m:r>
-                          <m:r>
-                            <a:rPr lang="en-US" sz="2400" b="0" i="1" smtClean="0">
-                              <a:latin typeface="Cambria Math" panose="02040503050406030204" pitchFamily="18" charset="0"/>
-                            </a:rPr>
-                            <m:t>/</m:t>
-                          </m:r>
-                          <m:r>
-                            <a:rPr lang="en-US" sz="2400" b="0" i="1" smtClean="0">
-                              <a:latin typeface="Cambria Math" panose="02040503050406030204" pitchFamily="18" charset="0"/>
-                              <a:ea typeface="Cambria Math" panose="02040503050406030204" pitchFamily="18" charset="0"/>
-                            </a:rPr>
-                            <m:t>𝜋</m:t>
-                          </m:r>
-                          <m:r>
-                            <a:rPr lang="en-US" sz="2400" b="0" i="1" smtClean="0">
-                              <a:latin typeface="Cambria Math" panose="02040503050406030204" pitchFamily="18" charset="0"/>
-                            </a:rPr>
-                            <m:t>𝑚</m:t>
-                          </m:r>
-                        </m:e>
-                      </m:rad>
                       <m:r>
                         <a:rPr lang="en-US" sz="2400" b="0" i="1" smtClean="0">
                           <a:latin typeface="Cambria Math" panose="02040503050406030204" pitchFamily="18" charset="0"/>
                         </a:rPr>
-                        <m:t>/</m:t>
-                      </m:r>
-                      <m:rad>
-                        <m:radPr>
-                          <m:degHide m:val="on"/>
-                          <m:ctrlPr>
-                            <a:rPr lang="en-US" sz="2400" b="0" i="1" smtClean="0">
-                              <a:latin typeface="Cambria Math" panose="02040503050406030204" pitchFamily="18" charset="0"/>
-                            </a:rPr>
-                          </m:ctrlPr>
-                        </m:radPr>
-                        <m:deg/>
-                        <m:e>
-                          <m:r>
-                            <a:rPr lang="en-US" sz="2400" b="0" i="1" smtClean="0">
-                              <a:latin typeface="Cambria Math" panose="02040503050406030204" pitchFamily="18" charset="0"/>
-                            </a:rPr>
-                            <m:t>2</m:t>
-                          </m:r>
-                          <m:sSub>
-                            <m:sSubPr>
-                              <m:ctrlPr>
-                                <a:rPr lang="en-US" sz="2400" b="0" i="1" smtClean="0">
-                                  <a:latin typeface="Cambria Math" panose="02040503050406030204" pitchFamily="18" charset="0"/>
-                                </a:rPr>
-                              </m:ctrlPr>
-                            </m:sSubPr>
-                            <m:e>
-                              <m:r>
-                                <a:rPr lang="en-US" sz="2400" b="0" i="1" smtClean="0">
-                                  <a:latin typeface="Cambria Math" panose="02040503050406030204" pitchFamily="18" charset="0"/>
-                                </a:rPr>
-                                <m:t>𝑘</m:t>
-                              </m:r>
-                            </m:e>
-                            <m:sub>
-                              <m:r>
-                                <a:rPr lang="en-US" sz="2400" b="0" i="1" smtClean="0">
-                                  <a:latin typeface="Cambria Math" panose="02040503050406030204" pitchFamily="18" charset="0"/>
-                                </a:rPr>
-                                <m:t>𝐵</m:t>
-                              </m:r>
-                            </m:sub>
-                          </m:sSub>
-                          <m:r>
-                            <a:rPr lang="en-US" sz="2400" b="0" i="1" smtClean="0">
-                              <a:latin typeface="Cambria Math" panose="02040503050406030204" pitchFamily="18" charset="0"/>
-                            </a:rPr>
-                            <m:t>𝑇</m:t>
-                          </m:r>
-                          <m:r>
-                            <a:rPr lang="en-US" sz="2400" b="0" i="1" smtClean="0">
-                              <a:latin typeface="Cambria Math" panose="02040503050406030204" pitchFamily="18" charset="0"/>
-                            </a:rPr>
-                            <m:t>/</m:t>
-                          </m:r>
-                          <m:r>
-                            <a:rPr lang="en-US" sz="2400" b="0" i="1" smtClean="0">
-                              <a:latin typeface="Cambria Math" panose="02040503050406030204" pitchFamily="18" charset="0"/>
-                            </a:rPr>
-                            <m:t>𝑚</m:t>
-                          </m:r>
-                        </m:e>
-                      </m:rad>
-                    </m:oMath>
-                  </m:oMathPara>
-                </a14:m>
-                <a:endParaRPr lang="en-US" sz="2400" dirty="0"/>
-              </a:p>
-              <a:p>
-                <a:endParaRPr lang="en-US" sz="2400" dirty="0"/>
-              </a:p>
-              <a:p>
-                <a:pPr/>
-                <a14:m>
-                  <m:oMathPara xmlns:m="http://schemas.openxmlformats.org/officeDocument/2006/math">
-                    <m:oMathParaPr>
-                      <m:jc m:val="centerGroup"/>
-                    </m:oMathParaPr>
-                    <m:oMath xmlns:m="http://schemas.openxmlformats.org/officeDocument/2006/math">
-                      <m:f>
-                        <m:fPr>
-                          <m:ctrlPr>
-                            <a:rPr lang="en-US" sz="2400" b="0" i="1" smtClean="0">
-                              <a:latin typeface="Cambria Math" panose="02040503050406030204" pitchFamily="18" charset="0"/>
-                            </a:rPr>
-                          </m:ctrlPr>
-                        </m:fPr>
-                        <m:num>
-                          <m:acc>
-                            <m:accPr>
-                              <m:chr m:val="̅"/>
-                              <m:ctrlPr>
-                                <a:rPr lang="en-US" sz="2400" b="0" i="1" smtClean="0">
-                                  <a:latin typeface="Cambria Math" panose="02040503050406030204" pitchFamily="18" charset="0"/>
-                                </a:rPr>
-                              </m:ctrlPr>
-                            </m:accPr>
-                            <m:e>
-                              <m:r>
-                                <a:rPr lang="en-US" sz="2400" b="0" i="1" smtClean="0">
-                                  <a:latin typeface="Cambria Math" panose="02040503050406030204" pitchFamily="18" charset="0"/>
-                                </a:rPr>
-                                <m:t>𝑐</m:t>
-                              </m:r>
-                            </m:e>
-                          </m:acc>
-                        </m:num>
-                        <m:den>
-                          <m:sSup>
-                            <m:sSupPr>
-                              <m:ctrlPr>
-                                <a:rPr lang="en-US" sz="2400" b="0" i="1" smtClean="0">
-                                  <a:latin typeface="Cambria Math" panose="02040503050406030204" pitchFamily="18" charset="0"/>
-                                </a:rPr>
-                              </m:ctrlPr>
-                            </m:sSupPr>
-                            <m:e>
-                              <m:r>
-                                <a:rPr lang="en-US" sz="2400" b="0" i="1" smtClean="0">
-                                  <a:latin typeface="Cambria Math" panose="02040503050406030204" pitchFamily="18" charset="0"/>
-                                </a:rPr>
-                                <m:t>𝑐</m:t>
-                              </m:r>
-                            </m:e>
-                            <m:sup>
-                              <m:r>
-                                <a:rPr lang="en-US" sz="2400" b="0" i="1" smtClean="0">
-                                  <a:latin typeface="Cambria Math" panose="02040503050406030204" pitchFamily="18" charset="0"/>
-                                </a:rPr>
-                                <m:t>∗</m:t>
-                              </m:r>
-                            </m:sup>
-                          </m:sSup>
-                        </m:den>
-                      </m:f>
-                      <m:r>
-                        <a:rPr lang="en-US" sz="2400" b="0" i="1" smtClean="0">
-                          <a:latin typeface="Cambria Math" panose="02040503050406030204" pitchFamily="18" charset="0"/>
-                        </a:rPr>
-                        <m:t>=</m:t>
-                      </m:r>
-                      <m:rad>
-                        <m:radPr>
-                          <m:degHide m:val="on"/>
-                          <m:ctrlPr>
-                            <a:rPr lang="en-US" sz="2400" b="0" i="1" smtClean="0">
-                              <a:latin typeface="Cambria Math" panose="02040503050406030204" pitchFamily="18" charset="0"/>
-                            </a:rPr>
-                          </m:ctrlPr>
-                        </m:radPr>
-                        <m:deg/>
-                        <m:e>
-                          <m:r>
-                            <a:rPr lang="en-US" sz="2400" b="0" i="1" smtClean="0">
-                              <a:latin typeface="Cambria Math" panose="02040503050406030204" pitchFamily="18" charset="0"/>
-                            </a:rPr>
-                            <m:t>8/2</m:t>
-                          </m:r>
-                          <m:r>
-                            <a:rPr lang="en-US" sz="2400" b="0" i="1" smtClean="0">
-                              <a:latin typeface="Cambria Math" panose="02040503050406030204" pitchFamily="18" charset="0"/>
-                              <a:ea typeface="Cambria Math" panose="02040503050406030204" pitchFamily="18" charset="0"/>
-                            </a:rPr>
-                            <m:t>𝜋</m:t>
-                          </m:r>
-                        </m:e>
-                      </m:rad>
-                      <m:r>
-                        <a:rPr lang="en-US" sz="2400" b="0" i="1" smtClean="0">
-                          <a:latin typeface="Cambria Math" panose="02040503050406030204" pitchFamily="18" charset="0"/>
-                        </a:rPr>
-                        <m:t>=</m:t>
-                      </m:r>
-                      <m:rad>
-                        <m:radPr>
-                          <m:degHide m:val="on"/>
-                          <m:ctrlPr>
-                            <a:rPr lang="en-US" sz="2400" b="0" i="1" smtClean="0">
-                              <a:latin typeface="Cambria Math" panose="02040503050406030204" pitchFamily="18" charset="0"/>
-                            </a:rPr>
-                          </m:ctrlPr>
-                        </m:radPr>
-                        <m:deg/>
-                        <m:e>
-                          <m:r>
-                            <a:rPr lang="en-US" sz="2400" b="0" i="1" smtClean="0">
-                              <a:latin typeface="Cambria Math" panose="02040503050406030204" pitchFamily="18" charset="0"/>
-                            </a:rPr>
-                            <m:t>8/6.28</m:t>
-                          </m:r>
-                        </m:e>
-                      </m:rad>
-                      <m:r>
-                        <a:rPr lang="en-US" sz="2400" b="0" i="1" smtClean="0">
-                          <a:latin typeface="Cambria Math" panose="02040503050406030204" pitchFamily="18" charset="0"/>
-                          <a:ea typeface="Cambria Math" panose="02040503050406030204" pitchFamily="18" charset="0"/>
-                        </a:rPr>
-                        <m:t>&gt;1</m:t>
+                        <m:t>…</m:t>
                       </m:r>
                     </m:oMath>
                   </m:oMathPara>
@@ -6178,7 +6919,7 @@
             </p:txBody>
           </p:sp>
         </mc:Choice>
-        <mc:Fallback xmlns="">
+        <mc:Fallback>
           <p:sp>
             <p:nvSpPr>
               <p:cNvPr id="5" name="TextBox 4">
@@ -6195,8 +6936,8 @@
             </p:nvSpPr>
             <p:spPr>
               <a:xfrm>
-                <a:off x="353568" y="3206496"/>
-                <a:ext cx="5108448" cy="3303597"/>
+                <a:off x="813674" y="3278686"/>
+                <a:ext cx="4752474" cy="1882631"/>
               </a:xfrm>
               <a:prstGeom prst="rect">
                 <a:avLst/>
@@ -6204,7 +6945,7 @@
               <a:blipFill>
                 <a:blip r:embed="rId2"/>
                 <a:stretch>
-                  <a:fillRect l="-1733" t="-1533" r="-248"/>
+                  <a:fillRect l="-1862" t="-2685" r="-2128"/>
                 </a:stretch>
               </a:blipFill>
             </p:spPr>
@@ -6302,8 +7043,8 @@
             </a:prstGeom>
           </p:spPr>
         </p:pic>
-        <mc:AlternateContent xmlns:mc="http://schemas.openxmlformats.org/markup-compatibility/2006" xmlns:a14="http://schemas.microsoft.com/office/drawing/2010/main">
-          <mc:Choice Requires="a14">
+        <mc:AlternateContent xmlns:mc="http://schemas.openxmlformats.org/markup-compatibility/2006">
+          <mc:Choice xmlns:a14="http://schemas.microsoft.com/office/drawing/2010/main" Requires="a14">
             <p:sp>
               <p:nvSpPr>
                 <p:cNvPr id="9" name="Rectangle 8">
@@ -6364,7 +7105,7 @@
               </p:txBody>
             </p:sp>
           </mc:Choice>
-          <mc:Fallback xmlns="">
+          <mc:Fallback>
             <p:sp>
               <p:nvSpPr>
                 <p:cNvPr id="9" name="Rectangle 8">
@@ -6409,8 +7150,8 @@
             </p:sp>
           </mc:Fallback>
         </mc:AlternateContent>
-        <mc:AlternateContent xmlns:mc="http://schemas.openxmlformats.org/markup-compatibility/2006" xmlns:a14="http://schemas.microsoft.com/office/drawing/2010/main">
-          <mc:Choice Requires="a14">
+        <mc:AlternateContent xmlns:mc="http://schemas.openxmlformats.org/markup-compatibility/2006">
+          <mc:Choice xmlns:a14="http://schemas.microsoft.com/office/drawing/2010/main" Requires="a14">
             <p:sp>
               <p:nvSpPr>
                 <p:cNvPr id="10" name="Rectangle 9">
@@ -6478,7 +7219,7 @@
               </p:txBody>
             </p:sp>
           </mc:Choice>
-          <mc:Fallback xmlns="">
+          <mc:Fallback>
             <p:sp>
               <p:nvSpPr>
                 <p:cNvPr id="10" name="Rectangle 9">
@@ -6523,8 +7264,8 @@
             </p:sp>
           </mc:Fallback>
         </mc:AlternateContent>
-        <mc:AlternateContent xmlns:mc="http://schemas.openxmlformats.org/markup-compatibility/2006" xmlns:a14="http://schemas.microsoft.com/office/drawing/2010/main">
-          <mc:Choice Requires="a14">
+        <mc:AlternateContent xmlns:mc="http://schemas.openxmlformats.org/markup-compatibility/2006">
+          <mc:Choice xmlns:a14="http://schemas.microsoft.com/office/drawing/2010/main" Requires="a14">
             <p:sp>
               <p:nvSpPr>
                 <p:cNvPr id="11" name="Rectangle 10">
@@ -6573,7 +7314,7 @@
               </p:txBody>
             </p:sp>
           </mc:Choice>
-          <mc:Fallback xmlns="">
+          <mc:Fallback>
             <p:sp>
               <p:nvSpPr>
                 <p:cNvPr id="11" name="Rectangle 10">
@@ -6622,7 +7363,1474 @@
     </p:spTree>
     <p:extLst>
       <p:ext uri="{BB962C8B-B14F-4D97-AF65-F5344CB8AC3E}">
-        <p14:creationId xmlns:p14="http://schemas.microsoft.com/office/powerpoint/2010/main" val="1606369499"/>
+        <p14:creationId xmlns:p14="http://schemas.microsoft.com/office/powerpoint/2010/main" val="2928166335"/>
+      </p:ext>
+    </p:extLst>
+  </p:cSld>
+  <p:clrMapOvr>
+    <a:masterClrMapping/>
+  </p:clrMapOvr>
+</p:sld>
+</file>
+
+<file path=ppt/slides/slide16.xml><?xml version="1.0" encoding="utf-8"?>
+<p:sld xmlns:a="http://schemas.openxmlformats.org/drawingml/2006/main" xmlns:r="http://schemas.openxmlformats.org/officeDocument/2006/relationships" xmlns:p="http://schemas.openxmlformats.org/presentationml/2006/main">
+  <p:cSld>
+    <p:spTree>
+      <p:nvGrpSpPr>
+        <p:cNvPr id="1" name=""/>
+        <p:cNvGrpSpPr/>
+        <p:nvPr/>
+      </p:nvGrpSpPr>
+      <p:grpSpPr>
+        <a:xfrm>
+          <a:off x="0" y="0"/>
+          <a:ext cx="0" cy="0"/>
+          <a:chOff x="0" y="0"/>
+          <a:chExt cx="0" cy="0"/>
+        </a:xfrm>
+      </p:grpSpPr>
+      <mc:AlternateContent xmlns:mc="http://schemas.openxmlformats.org/markup-compatibility/2006">
+        <mc:Choice xmlns:a14="http://schemas.microsoft.com/office/drawing/2010/main" Requires="a14">
+          <p:sp>
+            <p:nvSpPr>
+              <p:cNvPr id="5" name="TextBox 4">
+                <a:extLst>
+                  <a:ext uri="{FF2B5EF4-FFF2-40B4-BE49-F238E27FC236}">
+                    <a16:creationId xmlns:a16="http://schemas.microsoft.com/office/drawing/2014/main" id="{C2BD34AA-7E91-7144-91A9-44E3FAF780FD}"/>
+                  </a:ext>
+                </a:extLst>
+              </p:cNvPr>
+              <p:cNvSpPr txBox="1"/>
+              <p:nvPr/>
+            </p:nvSpPr>
+            <p:spPr>
+              <a:xfrm>
+                <a:off x="813674" y="3278686"/>
+                <a:ext cx="4752474" cy="2756460"/>
+              </a:xfrm>
+              <a:prstGeom prst="rect">
+                <a:avLst/>
+              </a:prstGeom>
+              <a:noFill/>
+            </p:spPr>
+            <p:txBody>
+              <a:bodyPr wrap="square" rtlCol="0">
+                <a:spAutoFit/>
+              </a:bodyPr>
+              <a:lstStyle/>
+              <a:p>
+                <a:r>
+                  <a:rPr lang="en-US" sz="2400" dirty="0"/>
+                  <a:t>Can you use these formulas to prove that </a:t>
+                </a:r>
+                <a14:m>
+                  <m:oMath xmlns:m="http://schemas.openxmlformats.org/officeDocument/2006/math">
+                    <m:acc>
+                      <m:accPr>
+                        <m:chr m:val="̅"/>
+                        <m:ctrlPr>
+                          <a:rPr lang="en-US" sz="2400" i="1">
+                            <a:latin typeface="Cambria Math" panose="02040503050406030204" pitchFamily="18" charset="0"/>
+                          </a:rPr>
+                        </m:ctrlPr>
+                      </m:accPr>
+                      <m:e>
+                        <m:r>
+                          <a:rPr lang="en-US" sz="2400" i="1">
+                            <a:latin typeface="Cambria Math" panose="02040503050406030204" pitchFamily="18" charset="0"/>
+                          </a:rPr>
+                          <m:t>𝑐</m:t>
+                        </m:r>
+                      </m:e>
+                    </m:acc>
+                    <m:r>
+                      <a:rPr lang="en-US" sz="2400" i="1">
+                        <a:latin typeface="Cambria Math" panose="02040503050406030204" pitchFamily="18" charset="0"/>
+                      </a:rPr>
+                      <m:t>&gt;</m:t>
+                    </m:r>
+                    <m:sSup>
+                      <m:sSupPr>
+                        <m:ctrlPr>
+                          <a:rPr lang="en-US" sz="2400" i="1">
+                            <a:latin typeface="Cambria Math" panose="02040503050406030204" pitchFamily="18" charset="0"/>
+                          </a:rPr>
+                        </m:ctrlPr>
+                      </m:sSupPr>
+                      <m:e>
+                        <m:r>
+                          <a:rPr lang="en-US" sz="2400" i="1">
+                            <a:latin typeface="Cambria Math" panose="02040503050406030204" pitchFamily="18" charset="0"/>
+                          </a:rPr>
+                          <m:t>𝑐</m:t>
+                        </m:r>
+                      </m:e>
+                      <m:sup>
+                        <m:r>
+                          <a:rPr lang="en-US" sz="2400" i="1">
+                            <a:latin typeface="Cambria Math" panose="02040503050406030204" pitchFamily="18" charset="0"/>
+                          </a:rPr>
+                          <m:t>∗</m:t>
+                        </m:r>
+                      </m:sup>
+                    </m:sSup>
+                  </m:oMath>
+                </a14:m>
+                <a:r>
+                  <a:rPr lang="en-US" sz="2400" dirty="0"/>
+                  <a:t>?</a:t>
+                </a:r>
+              </a:p>
+              <a:p>
+                <a:endParaRPr lang="en-US" sz="2400" dirty="0"/>
+              </a:p>
+              <a:p>
+                <a:pPr/>
+                <a14:m>
+                  <m:oMathPara xmlns:m="http://schemas.openxmlformats.org/officeDocument/2006/math">
+                    <m:oMathParaPr>
+                      <m:jc m:val="left"/>
+                    </m:oMathParaPr>
+                    <m:oMath xmlns:m="http://schemas.openxmlformats.org/officeDocument/2006/math">
+                      <m:f>
+                        <m:fPr>
+                          <m:ctrlPr>
+                            <a:rPr lang="en-US" sz="2400" b="0" i="1" smtClean="0">
+                              <a:latin typeface="Cambria Math" panose="02040503050406030204" pitchFamily="18" charset="0"/>
+                            </a:rPr>
+                          </m:ctrlPr>
+                        </m:fPr>
+                        <m:num>
+                          <m:acc>
+                            <m:accPr>
+                              <m:chr m:val="̅"/>
+                              <m:ctrlPr>
+                                <a:rPr lang="en-US" sz="2400" b="0" i="1" smtClean="0">
+                                  <a:latin typeface="Cambria Math" panose="02040503050406030204" pitchFamily="18" charset="0"/>
+                                </a:rPr>
+                              </m:ctrlPr>
+                            </m:accPr>
+                            <m:e>
+                              <m:r>
+                                <a:rPr lang="en-US" sz="2400" b="0" i="1" smtClean="0">
+                                  <a:latin typeface="Cambria Math" panose="02040503050406030204" pitchFamily="18" charset="0"/>
+                                </a:rPr>
+                                <m:t>𝑐</m:t>
+                              </m:r>
+                            </m:e>
+                          </m:acc>
+                        </m:num>
+                        <m:den>
+                          <m:sSup>
+                            <m:sSupPr>
+                              <m:ctrlPr>
+                                <a:rPr lang="en-US" sz="2400" b="0" i="1" smtClean="0">
+                                  <a:latin typeface="Cambria Math" panose="02040503050406030204" pitchFamily="18" charset="0"/>
+                                </a:rPr>
+                              </m:ctrlPr>
+                            </m:sSupPr>
+                            <m:e>
+                              <m:r>
+                                <a:rPr lang="en-US" sz="2400" b="0" i="1" smtClean="0">
+                                  <a:latin typeface="Cambria Math" panose="02040503050406030204" pitchFamily="18" charset="0"/>
+                                </a:rPr>
+                                <m:t>𝑐</m:t>
+                              </m:r>
+                            </m:e>
+                            <m:sup>
+                              <m:r>
+                                <a:rPr lang="en-US" sz="2400" b="0" i="1" smtClean="0">
+                                  <a:latin typeface="Cambria Math" panose="02040503050406030204" pitchFamily="18" charset="0"/>
+                                </a:rPr>
+                                <m:t>∗</m:t>
+                              </m:r>
+                            </m:sup>
+                          </m:sSup>
+                        </m:den>
+                      </m:f>
+                      <m:r>
+                        <a:rPr lang="en-US" sz="2400" b="0" i="1" smtClean="0">
+                          <a:latin typeface="Cambria Math" panose="02040503050406030204" pitchFamily="18" charset="0"/>
+                        </a:rPr>
+                        <m:t>=</m:t>
+                      </m:r>
+                      <m:f>
+                        <m:fPr>
+                          <m:ctrlPr>
+                            <a:rPr lang="en-US" sz="2400" b="0" i="1" smtClean="0">
+                              <a:latin typeface="Cambria Math" panose="02040503050406030204" pitchFamily="18" charset="0"/>
+                            </a:rPr>
+                          </m:ctrlPr>
+                        </m:fPr>
+                        <m:num>
+                          <m:rad>
+                            <m:radPr>
+                              <m:degHide m:val="on"/>
+                              <m:ctrlPr>
+                                <a:rPr lang="en-US" sz="2400" b="0" i="1" smtClean="0">
+                                  <a:latin typeface="Cambria Math" panose="02040503050406030204" pitchFamily="18" charset="0"/>
+                                </a:rPr>
+                              </m:ctrlPr>
+                            </m:radPr>
+                            <m:deg/>
+                            <m:e>
+                              <m:f>
+                                <m:fPr>
+                                  <m:ctrlPr>
+                                    <a:rPr lang="en-US" sz="2400" b="0" i="1" smtClean="0">
+                                      <a:latin typeface="Cambria Math" panose="02040503050406030204" pitchFamily="18" charset="0"/>
+                                    </a:rPr>
+                                  </m:ctrlPr>
+                                </m:fPr>
+                                <m:num>
+                                  <m:r>
+                                    <a:rPr lang="en-US" sz="2400" b="0" i="1" smtClean="0">
+                                      <a:latin typeface="Cambria Math" panose="02040503050406030204" pitchFamily="18" charset="0"/>
+                                    </a:rPr>
+                                    <m:t>8</m:t>
+                                  </m:r>
+                                  <m:sSub>
+                                    <m:sSubPr>
+                                      <m:ctrlPr>
+                                        <a:rPr lang="en-US" sz="2400" b="0" i="1" smtClean="0">
+                                          <a:latin typeface="Cambria Math" panose="02040503050406030204" pitchFamily="18" charset="0"/>
+                                        </a:rPr>
+                                      </m:ctrlPr>
+                                    </m:sSubPr>
+                                    <m:e>
+                                      <m:r>
+                                        <a:rPr lang="en-US" sz="2400" b="0" i="1" smtClean="0">
+                                          <a:latin typeface="Cambria Math" panose="02040503050406030204" pitchFamily="18" charset="0"/>
+                                        </a:rPr>
+                                        <m:t>𝑘</m:t>
+                                      </m:r>
+                                    </m:e>
+                                    <m:sub>
+                                      <m:r>
+                                        <a:rPr lang="en-US" sz="2400" b="0" i="1" smtClean="0">
+                                          <a:latin typeface="Cambria Math" panose="02040503050406030204" pitchFamily="18" charset="0"/>
+                                        </a:rPr>
+                                        <m:t>𝐵</m:t>
+                                      </m:r>
+                                    </m:sub>
+                                  </m:sSub>
+                                  <m:r>
+                                    <a:rPr lang="en-US" sz="2400" b="0" i="1" smtClean="0">
+                                      <a:latin typeface="Cambria Math" panose="02040503050406030204" pitchFamily="18" charset="0"/>
+                                    </a:rPr>
+                                    <m:t>𝑇</m:t>
+                                  </m:r>
+                                </m:num>
+                                <m:den>
+                                  <m:r>
+                                    <a:rPr lang="en-US" sz="2400" b="0" i="1" smtClean="0">
+                                      <a:latin typeface="Cambria Math" panose="02040503050406030204" pitchFamily="18" charset="0"/>
+                                      <a:ea typeface="Cambria Math" panose="02040503050406030204" pitchFamily="18" charset="0"/>
+                                    </a:rPr>
+                                    <m:t>𝜋</m:t>
+                                  </m:r>
+                                  <m:r>
+                                    <a:rPr lang="en-US" sz="2400" b="0" i="1" smtClean="0">
+                                      <a:latin typeface="Cambria Math" panose="02040503050406030204" pitchFamily="18" charset="0"/>
+                                    </a:rPr>
+                                    <m:t>𝑚</m:t>
+                                  </m:r>
+                                </m:den>
+                              </m:f>
+                            </m:e>
+                          </m:rad>
+                        </m:num>
+                        <m:den>
+                          <m:rad>
+                            <m:radPr>
+                              <m:degHide m:val="on"/>
+                              <m:ctrlPr>
+                                <a:rPr lang="en-US" sz="2400" b="0" i="1" smtClean="0">
+                                  <a:latin typeface="Cambria Math" panose="02040503050406030204" pitchFamily="18" charset="0"/>
+                                </a:rPr>
+                              </m:ctrlPr>
+                            </m:radPr>
+                            <m:deg/>
+                            <m:e>
+                              <m:f>
+                                <m:fPr>
+                                  <m:ctrlPr>
+                                    <a:rPr lang="en-US" sz="2400" b="0" i="1" smtClean="0">
+                                      <a:latin typeface="Cambria Math" panose="02040503050406030204" pitchFamily="18" charset="0"/>
+                                    </a:rPr>
+                                  </m:ctrlPr>
+                                </m:fPr>
+                                <m:num>
+                                  <m:r>
+                                    <a:rPr lang="en-US" sz="2400" b="0" i="1" smtClean="0">
+                                      <a:latin typeface="Cambria Math" panose="02040503050406030204" pitchFamily="18" charset="0"/>
+                                    </a:rPr>
+                                    <m:t>2</m:t>
+                                  </m:r>
+                                  <m:sSub>
+                                    <m:sSubPr>
+                                      <m:ctrlPr>
+                                        <a:rPr lang="en-US" sz="2400" b="0" i="1" smtClean="0">
+                                          <a:latin typeface="Cambria Math" panose="02040503050406030204" pitchFamily="18" charset="0"/>
+                                        </a:rPr>
+                                      </m:ctrlPr>
+                                    </m:sSubPr>
+                                    <m:e>
+                                      <m:r>
+                                        <a:rPr lang="en-US" sz="2400" b="0" i="1" smtClean="0">
+                                          <a:latin typeface="Cambria Math" panose="02040503050406030204" pitchFamily="18" charset="0"/>
+                                        </a:rPr>
+                                        <m:t>𝑘</m:t>
+                                      </m:r>
+                                    </m:e>
+                                    <m:sub>
+                                      <m:r>
+                                        <a:rPr lang="en-US" sz="2400" b="0" i="1" smtClean="0">
+                                          <a:latin typeface="Cambria Math" panose="02040503050406030204" pitchFamily="18" charset="0"/>
+                                        </a:rPr>
+                                        <m:t>𝐵</m:t>
+                                      </m:r>
+                                    </m:sub>
+                                  </m:sSub>
+                                  <m:r>
+                                    <a:rPr lang="en-US" sz="2400" b="0" i="1" smtClean="0">
+                                      <a:latin typeface="Cambria Math" panose="02040503050406030204" pitchFamily="18" charset="0"/>
+                                    </a:rPr>
+                                    <m:t>𝑇</m:t>
+                                  </m:r>
+                                </m:num>
+                                <m:den>
+                                  <m:r>
+                                    <a:rPr lang="en-US" sz="2400" b="0" i="1" smtClean="0">
+                                      <a:latin typeface="Cambria Math" panose="02040503050406030204" pitchFamily="18" charset="0"/>
+                                    </a:rPr>
+                                    <m:t>𝑚</m:t>
+                                  </m:r>
+                                </m:den>
+                              </m:f>
+                            </m:e>
+                          </m:rad>
+                        </m:den>
+                      </m:f>
+                      <m:r>
+                        <a:rPr lang="en-US" sz="2400" b="0" i="0" smtClean="0">
+                          <a:latin typeface="Cambria Math" panose="02040503050406030204" pitchFamily="18" charset="0"/>
+                        </a:rPr>
+                        <m:t>=</m:t>
+                      </m:r>
+                      <m:rad>
+                        <m:radPr>
+                          <m:degHide m:val="on"/>
+                          <m:ctrlPr>
+                            <a:rPr lang="en-US" sz="2400" b="0" i="1" smtClean="0">
+                              <a:latin typeface="Cambria Math" panose="02040503050406030204" pitchFamily="18" charset="0"/>
+                            </a:rPr>
+                          </m:ctrlPr>
+                        </m:radPr>
+                        <m:deg/>
+                        <m:e>
+                          <m:r>
+                            <a:rPr lang="en-US" sz="2400" b="0" i="1" smtClean="0">
+                              <a:latin typeface="Cambria Math" panose="02040503050406030204" pitchFamily="18" charset="0"/>
+                            </a:rPr>
+                            <m:t>8/2</m:t>
+                          </m:r>
+                          <m:r>
+                            <a:rPr lang="en-US" sz="2400" b="0" i="1" smtClean="0">
+                              <a:latin typeface="Cambria Math" panose="02040503050406030204" pitchFamily="18" charset="0"/>
+                              <a:ea typeface="Cambria Math" panose="02040503050406030204" pitchFamily="18" charset="0"/>
+                            </a:rPr>
+                            <m:t>𝜋</m:t>
+                          </m:r>
+                        </m:e>
+                      </m:rad>
+                      <m:r>
+                        <a:rPr lang="en-US" sz="2400" b="0" i="1" smtClean="0">
+                          <a:latin typeface="Cambria Math" panose="02040503050406030204" pitchFamily="18" charset="0"/>
+                          <a:ea typeface="Cambria Math" panose="02040503050406030204" pitchFamily="18" charset="0"/>
+                        </a:rPr>
+                        <m:t>&gt;1</m:t>
+                      </m:r>
+                    </m:oMath>
+                  </m:oMathPara>
+                </a14:m>
+                <a:endParaRPr lang="en-US" sz="2400" dirty="0"/>
+              </a:p>
+            </p:txBody>
+          </p:sp>
+        </mc:Choice>
+        <mc:Fallback>
+          <p:sp>
+            <p:nvSpPr>
+              <p:cNvPr id="5" name="TextBox 4">
+                <a:extLst>
+                  <a:ext uri="{FF2B5EF4-FFF2-40B4-BE49-F238E27FC236}">
+                    <a16:creationId xmlns:a16="http://schemas.microsoft.com/office/drawing/2014/main" id="{C2BD34AA-7E91-7144-91A9-44E3FAF780FD}"/>
+                  </a:ext>
+                </a:extLst>
+              </p:cNvPr>
+              <p:cNvSpPr txBox="1">
+                <a:spLocks noRot="1" noChangeAspect="1" noMove="1" noResize="1" noEditPoints="1" noAdjustHandles="1" noChangeArrowheads="1" noChangeShapeType="1" noTextEdit="1"/>
+              </p:cNvSpPr>
+              <p:nvPr/>
+            </p:nvSpPr>
+            <p:spPr>
+              <a:xfrm>
+                <a:off x="813674" y="3278686"/>
+                <a:ext cx="4752474" cy="2756460"/>
+              </a:xfrm>
+              <a:prstGeom prst="rect">
+                <a:avLst/>
+              </a:prstGeom>
+              <a:blipFill>
+                <a:blip r:embed="rId2"/>
+                <a:stretch>
+                  <a:fillRect l="-1862" t="-1835" r="-2128"/>
+                </a:stretch>
+              </a:blipFill>
+            </p:spPr>
+            <p:txBody>
+              <a:bodyPr/>
+              <a:lstStyle/>
+              <a:p>
+                <a:r>
+                  <a:rPr lang="en-US">
+                    <a:noFill/>
+                  </a:rPr>
+                  <a:t> </a:t>
+                </a:r>
+              </a:p>
+            </p:txBody>
+          </p:sp>
+        </mc:Fallback>
+      </mc:AlternateContent>
+      <p:pic>
+        <p:nvPicPr>
+          <p:cNvPr id="7" name="Picture 6">
+            <a:extLst>
+              <a:ext uri="{FF2B5EF4-FFF2-40B4-BE49-F238E27FC236}">
+                <a16:creationId xmlns:a16="http://schemas.microsoft.com/office/drawing/2014/main" id="{A05ABFE3-7B65-E349-9936-6083928D5451}"/>
+              </a:ext>
+            </a:extLst>
+          </p:cNvPr>
+          <p:cNvPicPr>
+            <a:picLocks noChangeAspect="1"/>
+          </p:cNvPicPr>
+          <p:nvPr/>
+        </p:nvPicPr>
+        <p:blipFill>
+          <a:blip r:embed="rId3"/>
+          <a:stretch>
+            <a:fillRect/>
+          </a:stretch>
+        </p:blipFill>
+        <p:spPr>
+          <a:xfrm>
+            <a:off x="5876544" y="3170173"/>
+            <a:ext cx="5501782" cy="3303525"/>
+          </a:xfrm>
+          <a:prstGeom prst="rect">
+            <a:avLst/>
+          </a:prstGeom>
+        </p:spPr>
+      </p:pic>
+      <p:grpSp>
+        <p:nvGrpSpPr>
+          <p:cNvPr id="6" name="Group 5">
+            <a:extLst>
+              <a:ext uri="{FF2B5EF4-FFF2-40B4-BE49-F238E27FC236}">
+                <a16:creationId xmlns:a16="http://schemas.microsoft.com/office/drawing/2014/main" id="{1BFC806F-A981-8744-9F19-6F78563BAAAE}"/>
+              </a:ext>
+            </a:extLst>
+          </p:cNvPr>
+          <p:cNvGrpSpPr/>
+          <p:nvPr/>
+        </p:nvGrpSpPr>
+        <p:grpSpPr>
+          <a:xfrm>
+            <a:off x="500837" y="341376"/>
+            <a:ext cx="10984027" cy="2670048"/>
+            <a:chOff x="500837" y="341376"/>
+            <a:chExt cx="10984027" cy="2670048"/>
+          </a:xfrm>
+        </p:grpSpPr>
+        <p:pic>
+          <p:nvPicPr>
+            <p:cNvPr id="8" name="Picture 7">
+              <a:extLst>
+                <a:ext uri="{FF2B5EF4-FFF2-40B4-BE49-F238E27FC236}">
+                  <a16:creationId xmlns:a16="http://schemas.microsoft.com/office/drawing/2014/main" id="{9F39AA69-F24D-0A45-83F1-EC0B557C7D59}"/>
+                </a:ext>
+              </a:extLst>
+            </p:cNvPr>
+            <p:cNvPicPr>
+              <a:picLocks noChangeAspect="1"/>
+            </p:cNvPicPr>
+            <p:nvPr/>
+          </p:nvPicPr>
+          <p:blipFill rotWithShape="1">
+            <a:blip r:embed="rId4"/>
+            <a:srcRect r="17186"/>
+            <a:stretch/>
+          </p:blipFill>
+          <p:spPr>
+            <a:xfrm>
+              <a:off x="500837" y="341376"/>
+              <a:ext cx="10984027" cy="2670048"/>
+            </a:xfrm>
+            <a:prstGeom prst="rect">
+              <a:avLst/>
+            </a:prstGeom>
+          </p:spPr>
+        </p:pic>
+        <mc:AlternateContent xmlns:mc="http://schemas.openxmlformats.org/markup-compatibility/2006">
+          <mc:Choice xmlns:a14="http://schemas.microsoft.com/office/drawing/2010/main" Requires="a14">
+            <p:sp>
+              <p:nvSpPr>
+                <p:cNvPr id="9" name="Rectangle 8">
+                  <a:extLst>
+                    <a:ext uri="{FF2B5EF4-FFF2-40B4-BE49-F238E27FC236}">
+                      <a16:creationId xmlns:a16="http://schemas.microsoft.com/office/drawing/2014/main" id="{0063D135-8509-0A47-929B-AC1F19881369}"/>
+                    </a:ext>
+                  </a:extLst>
+                </p:cNvPr>
+                <p:cNvSpPr/>
+                <p:nvPr/>
+              </p:nvSpPr>
+              <p:spPr>
+                <a:xfrm>
+                  <a:off x="8223029" y="1676400"/>
+                  <a:ext cx="404406" cy="461665"/>
+                </a:xfrm>
+                <a:prstGeom prst="rect">
+                  <a:avLst/>
+                </a:prstGeom>
+              </p:spPr>
+              <p:txBody>
+                <a:bodyPr wrap="none">
+                  <a:spAutoFit/>
+                </a:bodyPr>
+                <a:lstStyle/>
+                <a:p>
+                  <a:pPr/>
+                  <a14:m>
+                    <m:oMathPara xmlns:m="http://schemas.openxmlformats.org/officeDocument/2006/math">
+                      <m:oMathParaPr>
+                        <m:jc m:val="centerGroup"/>
+                      </m:oMathParaPr>
+                      <m:oMath xmlns:m="http://schemas.openxmlformats.org/officeDocument/2006/math">
+                        <m:acc>
+                          <m:accPr>
+                            <m:chr m:val="̅"/>
+                            <m:ctrlPr>
+                              <a:rPr lang="en-US" sz="2400" i="1">
+                                <a:latin typeface="Cambria Math" panose="02040503050406030204" pitchFamily="18" charset="0"/>
+                              </a:rPr>
+                            </m:ctrlPr>
+                          </m:accPr>
+                          <m:e>
+                            <m:r>
+                              <a:rPr lang="en-US" sz="2400" i="1">
+                                <a:latin typeface="Cambria Math" panose="02040503050406030204" pitchFamily="18" charset="0"/>
+                              </a:rPr>
+                              <m:t>𝑐</m:t>
+                            </m:r>
+                          </m:e>
+                        </m:acc>
+                      </m:oMath>
+                    </m:oMathPara>
+                  </a14:m>
+                  <a:endParaRPr lang="en-US" sz="2400" dirty="0"/>
+                </a:p>
+              </p:txBody>
+            </p:sp>
+          </mc:Choice>
+          <mc:Fallback>
+            <p:sp>
+              <p:nvSpPr>
+                <p:cNvPr id="9" name="Rectangle 8">
+                  <a:extLst>
+                    <a:ext uri="{FF2B5EF4-FFF2-40B4-BE49-F238E27FC236}">
+                      <a16:creationId xmlns:a16="http://schemas.microsoft.com/office/drawing/2014/main" id="{0063D135-8509-0A47-929B-AC1F19881369}"/>
+                    </a:ext>
+                  </a:extLst>
+                </p:cNvPr>
+                <p:cNvSpPr>
+                  <a:spLocks noRot="1" noChangeAspect="1" noMove="1" noResize="1" noEditPoints="1" noAdjustHandles="1" noChangeArrowheads="1" noChangeShapeType="1" noTextEdit="1"/>
+                </p:cNvSpPr>
+                <p:nvPr/>
+              </p:nvSpPr>
+              <p:spPr>
+                <a:xfrm>
+                  <a:off x="8223029" y="1676400"/>
+                  <a:ext cx="404406" cy="461665"/>
+                </a:xfrm>
+                <a:prstGeom prst="rect">
+                  <a:avLst/>
+                </a:prstGeom>
+                <a:blipFill>
+                  <a:blip r:embed="rId5"/>
+                  <a:stretch>
+                    <a:fillRect/>
+                  </a:stretch>
+                </a:blipFill>
+              </p:spPr>
+              <p:txBody>
+                <a:bodyPr/>
+                <a:lstStyle/>
+                <a:p>
+                  <a:r>
+                    <a:rPr lang="en-US">
+                      <a:noFill/>
+                    </a:rPr>
+                    <a:t> </a:t>
+                  </a:r>
+                </a:p>
+              </p:txBody>
+            </p:sp>
+          </mc:Fallback>
+        </mc:AlternateContent>
+        <mc:AlternateContent xmlns:mc="http://schemas.openxmlformats.org/markup-compatibility/2006">
+          <mc:Choice xmlns:a14="http://schemas.microsoft.com/office/drawing/2010/main" Requires="a14">
+            <p:sp>
+              <p:nvSpPr>
+                <p:cNvPr id="10" name="Rectangle 9">
+                  <a:extLst>
+                    <a:ext uri="{FF2B5EF4-FFF2-40B4-BE49-F238E27FC236}">
+                      <a16:creationId xmlns:a16="http://schemas.microsoft.com/office/drawing/2014/main" id="{F32B8009-BC43-744D-8603-89BB4012A294}"/>
+                    </a:ext>
+                  </a:extLst>
+                </p:cNvPr>
+                <p:cNvSpPr/>
+                <p:nvPr/>
+              </p:nvSpPr>
+              <p:spPr>
+                <a:xfrm>
+                  <a:off x="8223029" y="1068178"/>
+                  <a:ext cx="531428" cy="461665"/>
+                </a:xfrm>
+                <a:prstGeom prst="rect">
+                  <a:avLst/>
+                </a:prstGeom>
+              </p:spPr>
+              <p:txBody>
+                <a:bodyPr wrap="none">
+                  <a:spAutoFit/>
+                </a:bodyPr>
+                <a:lstStyle/>
+                <a:p>
+                  <a:pPr/>
+                  <a14:m>
+                    <m:oMathPara xmlns:m="http://schemas.openxmlformats.org/officeDocument/2006/math">
+                      <m:oMathParaPr>
+                        <m:jc m:val="centerGroup"/>
+                      </m:oMathParaPr>
+                      <m:oMath xmlns:m="http://schemas.openxmlformats.org/officeDocument/2006/math">
+                        <m:sSup>
+                          <m:sSupPr>
+                            <m:ctrlPr>
+                              <a:rPr lang="en-US" sz="2400" i="1">
+                                <a:latin typeface="Cambria Math" panose="02040503050406030204" pitchFamily="18" charset="0"/>
+                              </a:rPr>
+                            </m:ctrlPr>
+                          </m:sSupPr>
+                          <m:e>
+                            <m:r>
+                              <a:rPr lang="en-US" sz="2400" i="1">
+                                <a:latin typeface="Cambria Math" panose="02040503050406030204" pitchFamily="18" charset="0"/>
+                              </a:rPr>
+                              <m:t>𝑐</m:t>
+                            </m:r>
+                          </m:e>
+                          <m:sup>
+                            <m:r>
+                              <a:rPr lang="en-US" sz="2400" i="1">
+                                <a:latin typeface="Cambria Math" panose="02040503050406030204" pitchFamily="18" charset="0"/>
+                              </a:rPr>
+                              <m:t>∗</m:t>
+                            </m:r>
+                          </m:sup>
+                        </m:sSup>
+                      </m:oMath>
+                    </m:oMathPara>
+                  </a14:m>
+                  <a:endParaRPr lang="en-US" sz="2400" dirty="0"/>
+                </a:p>
+              </p:txBody>
+            </p:sp>
+          </mc:Choice>
+          <mc:Fallback>
+            <p:sp>
+              <p:nvSpPr>
+                <p:cNvPr id="10" name="Rectangle 9">
+                  <a:extLst>
+                    <a:ext uri="{FF2B5EF4-FFF2-40B4-BE49-F238E27FC236}">
+                      <a16:creationId xmlns:a16="http://schemas.microsoft.com/office/drawing/2014/main" id="{F32B8009-BC43-744D-8603-89BB4012A294}"/>
+                    </a:ext>
+                  </a:extLst>
+                </p:cNvPr>
+                <p:cNvSpPr>
+                  <a:spLocks noRot="1" noChangeAspect="1" noMove="1" noResize="1" noEditPoints="1" noAdjustHandles="1" noChangeArrowheads="1" noChangeShapeType="1" noTextEdit="1"/>
+                </p:cNvSpPr>
+                <p:nvPr/>
+              </p:nvSpPr>
+              <p:spPr>
+                <a:xfrm>
+                  <a:off x="8223029" y="1068178"/>
+                  <a:ext cx="531428" cy="461665"/>
+                </a:xfrm>
+                <a:prstGeom prst="rect">
+                  <a:avLst/>
+                </a:prstGeom>
+                <a:blipFill>
+                  <a:blip r:embed="rId6"/>
+                  <a:stretch>
+                    <a:fillRect/>
+                  </a:stretch>
+                </a:blipFill>
+              </p:spPr>
+              <p:txBody>
+                <a:bodyPr/>
+                <a:lstStyle/>
+                <a:p>
+                  <a:r>
+                    <a:rPr lang="en-US">
+                      <a:noFill/>
+                    </a:rPr>
+                    <a:t> </a:t>
+                  </a:r>
+                </a:p>
+              </p:txBody>
+            </p:sp>
+          </mc:Fallback>
+        </mc:AlternateContent>
+        <mc:AlternateContent xmlns:mc="http://schemas.openxmlformats.org/markup-compatibility/2006">
+          <mc:Choice xmlns:a14="http://schemas.microsoft.com/office/drawing/2010/main" Requires="a14">
+            <p:sp>
+              <p:nvSpPr>
+                <p:cNvPr id="11" name="Rectangle 10">
+                  <a:extLst>
+                    <a:ext uri="{FF2B5EF4-FFF2-40B4-BE49-F238E27FC236}">
+                      <a16:creationId xmlns:a16="http://schemas.microsoft.com/office/drawing/2014/main" id="{9DF6CF2A-DEB0-3B49-9175-1D742DA66B29}"/>
+                    </a:ext>
+                  </a:extLst>
+                </p:cNvPr>
+                <p:cNvSpPr/>
+                <p:nvPr/>
+              </p:nvSpPr>
+              <p:spPr>
+                <a:xfrm>
+                  <a:off x="8199246" y="2343912"/>
+                  <a:ext cx="404406" cy="461665"/>
+                </a:xfrm>
+                <a:prstGeom prst="rect">
+                  <a:avLst/>
+                </a:prstGeom>
+              </p:spPr>
+              <p:txBody>
+                <a:bodyPr wrap="none">
+                  <a:spAutoFit/>
+                </a:bodyPr>
+                <a:lstStyle/>
+                <a:p>
+                  <a:pPr/>
+                  <a14:m>
+                    <m:oMathPara xmlns:m="http://schemas.openxmlformats.org/officeDocument/2006/math">
+                      <m:oMathParaPr>
+                        <m:jc m:val="centerGroup"/>
+                      </m:oMathParaPr>
+                      <m:oMath xmlns:m="http://schemas.openxmlformats.org/officeDocument/2006/math">
+                        <m:r>
+                          <a:rPr lang="en-US" sz="2400" b="0" i="1" smtClean="0">
+                            <a:latin typeface="Cambria Math" panose="02040503050406030204" pitchFamily="18" charset="0"/>
+                          </a:rPr>
+                          <m:t>𝑐</m:t>
+                        </m:r>
+                      </m:oMath>
+                    </m:oMathPara>
+                  </a14:m>
+                  <a:endParaRPr lang="en-US" sz="2400" dirty="0"/>
+                </a:p>
+              </p:txBody>
+            </p:sp>
+          </mc:Choice>
+          <mc:Fallback>
+            <p:sp>
+              <p:nvSpPr>
+                <p:cNvPr id="11" name="Rectangle 10">
+                  <a:extLst>
+                    <a:ext uri="{FF2B5EF4-FFF2-40B4-BE49-F238E27FC236}">
+                      <a16:creationId xmlns:a16="http://schemas.microsoft.com/office/drawing/2014/main" id="{9DF6CF2A-DEB0-3B49-9175-1D742DA66B29}"/>
+                    </a:ext>
+                  </a:extLst>
+                </p:cNvPr>
+                <p:cNvSpPr>
+                  <a:spLocks noRot="1" noChangeAspect="1" noMove="1" noResize="1" noEditPoints="1" noAdjustHandles="1" noChangeArrowheads="1" noChangeShapeType="1" noTextEdit="1"/>
+                </p:cNvSpPr>
+                <p:nvPr/>
+              </p:nvSpPr>
+              <p:spPr>
+                <a:xfrm>
+                  <a:off x="8199246" y="2343912"/>
+                  <a:ext cx="404406" cy="461665"/>
+                </a:xfrm>
+                <a:prstGeom prst="rect">
+                  <a:avLst/>
+                </a:prstGeom>
+                <a:blipFill>
+                  <a:blip r:embed="rId7"/>
+                  <a:stretch>
+                    <a:fillRect/>
+                  </a:stretch>
+                </a:blipFill>
+              </p:spPr>
+              <p:txBody>
+                <a:bodyPr/>
+                <a:lstStyle/>
+                <a:p>
+                  <a:r>
+                    <a:rPr lang="en-US">
+                      <a:noFill/>
+                    </a:rPr>
+                    <a:t> </a:t>
+                  </a:r>
+                </a:p>
+              </p:txBody>
+            </p:sp>
+          </mc:Fallback>
+        </mc:AlternateContent>
+      </p:grpSp>
+    </p:spTree>
+    <p:extLst>
+      <p:ext uri="{BB962C8B-B14F-4D97-AF65-F5344CB8AC3E}">
+        <p14:creationId xmlns:p14="http://schemas.microsoft.com/office/powerpoint/2010/main" val="2724970005"/>
+      </p:ext>
+    </p:extLst>
+  </p:cSld>
+  <p:clrMapOvr>
+    <a:masterClrMapping/>
+  </p:clrMapOvr>
+</p:sld>
+</file>
+
+<file path=ppt/slides/slide17.xml><?xml version="1.0" encoding="utf-8"?>
+<p:sld xmlns:a="http://schemas.openxmlformats.org/drawingml/2006/main" xmlns:r="http://schemas.openxmlformats.org/officeDocument/2006/relationships" xmlns:p="http://schemas.openxmlformats.org/presentationml/2006/main">
+  <p:cSld>
+    <p:spTree>
+      <p:nvGrpSpPr>
+        <p:cNvPr id="1" name=""/>
+        <p:cNvGrpSpPr/>
+        <p:nvPr/>
+      </p:nvGrpSpPr>
+      <p:grpSpPr>
+        <a:xfrm>
+          <a:off x="0" y="0"/>
+          <a:ext cx="0" cy="0"/>
+          <a:chOff x="0" y="0"/>
+          <a:chExt cx="0" cy="0"/>
+        </a:xfrm>
+      </p:grpSpPr>
+      <mc:AlternateContent xmlns:mc="http://schemas.openxmlformats.org/markup-compatibility/2006">
+        <mc:Choice xmlns:a14="http://schemas.microsoft.com/office/drawing/2010/main" Requires="a14">
+          <p:sp>
+            <p:nvSpPr>
+              <p:cNvPr id="5" name="TextBox 4">
+                <a:extLst>
+                  <a:ext uri="{FF2B5EF4-FFF2-40B4-BE49-F238E27FC236}">
+                    <a16:creationId xmlns:a16="http://schemas.microsoft.com/office/drawing/2014/main" id="{C2BD34AA-7E91-7144-91A9-44E3FAF780FD}"/>
+                  </a:ext>
+                </a:extLst>
+              </p:cNvPr>
+              <p:cNvSpPr txBox="1"/>
+              <p:nvPr/>
+            </p:nvSpPr>
+            <p:spPr>
+              <a:xfrm>
+                <a:off x="813674" y="3278686"/>
+                <a:ext cx="4752474" cy="1832874"/>
+              </a:xfrm>
+              <a:prstGeom prst="rect">
+                <a:avLst/>
+              </a:prstGeom>
+              <a:noFill/>
+            </p:spPr>
+            <p:txBody>
+              <a:bodyPr wrap="square" rtlCol="0">
+                <a:spAutoFit/>
+              </a:bodyPr>
+              <a:lstStyle/>
+              <a:p>
+                <a:r>
+                  <a:rPr lang="en-US" sz="2400" dirty="0"/>
+                  <a:t>Can you use these formulas to prove that </a:t>
+                </a:r>
+                <a14:m>
+                  <m:oMath xmlns:m="http://schemas.openxmlformats.org/officeDocument/2006/math">
+                    <m:r>
+                      <a:rPr lang="en-US" sz="2400" b="0" i="1" smtClean="0">
+                        <a:latin typeface="Cambria Math" panose="02040503050406030204" pitchFamily="18" charset="0"/>
+                      </a:rPr>
+                      <m:t>𝑐</m:t>
+                    </m:r>
+                    <m:r>
+                      <a:rPr lang="en-US" sz="2400" b="0" i="1" smtClean="0">
+                        <a:latin typeface="Cambria Math" panose="02040503050406030204" pitchFamily="18" charset="0"/>
+                      </a:rPr>
+                      <m:t>&gt;</m:t>
+                    </m:r>
+                    <m:sSup>
+                      <m:sSupPr>
+                        <m:ctrlPr>
+                          <a:rPr lang="en-US" sz="2400" b="0" i="1" smtClean="0">
+                            <a:latin typeface="Cambria Math" panose="02040503050406030204" pitchFamily="18" charset="0"/>
+                          </a:rPr>
+                        </m:ctrlPr>
+                      </m:sSupPr>
+                      <m:e>
+                        <m:r>
+                          <a:rPr lang="en-US" sz="2400" b="0" i="1" smtClean="0">
+                            <a:latin typeface="Cambria Math" panose="02040503050406030204" pitchFamily="18" charset="0"/>
+                          </a:rPr>
+                          <m:t>𝑐</m:t>
+                        </m:r>
+                      </m:e>
+                      <m:sup>
+                        <m:r>
+                          <a:rPr lang="en-US" sz="2400" b="0" i="1" smtClean="0">
+                            <a:latin typeface="Cambria Math" panose="02040503050406030204" pitchFamily="18" charset="0"/>
+                          </a:rPr>
+                          <m:t>∗</m:t>
+                        </m:r>
+                      </m:sup>
+                    </m:sSup>
+                  </m:oMath>
+                </a14:m>
+                <a:r>
+                  <a:rPr lang="en-US" sz="2400" dirty="0"/>
+                  <a:t>?</a:t>
+                </a:r>
+              </a:p>
+              <a:p>
+                <a:endParaRPr lang="en-US" sz="2400" dirty="0"/>
+              </a:p>
+              <a:p>
+                <a:pPr/>
+                <a14:m>
+                  <m:oMathPara xmlns:m="http://schemas.openxmlformats.org/officeDocument/2006/math">
+                    <m:oMathParaPr>
+                      <m:jc m:val="left"/>
+                    </m:oMathParaPr>
+                    <m:oMath xmlns:m="http://schemas.openxmlformats.org/officeDocument/2006/math">
+                      <m:f>
+                        <m:fPr>
+                          <m:ctrlPr>
+                            <a:rPr lang="en-US" sz="2400" b="0" i="1" smtClean="0">
+                              <a:latin typeface="Cambria Math" panose="02040503050406030204" pitchFamily="18" charset="0"/>
+                            </a:rPr>
+                          </m:ctrlPr>
+                        </m:fPr>
+                        <m:num>
+                          <m:r>
+                            <a:rPr lang="en-US" sz="2400" i="1">
+                              <a:latin typeface="Cambria Math" panose="02040503050406030204" pitchFamily="18" charset="0"/>
+                            </a:rPr>
+                            <m:t>𝑐</m:t>
+                          </m:r>
+                        </m:num>
+                        <m:den>
+                          <m:sSup>
+                            <m:sSupPr>
+                              <m:ctrlPr>
+                                <a:rPr lang="en-US" sz="2400" b="0" i="1" smtClean="0">
+                                  <a:latin typeface="Cambria Math" panose="02040503050406030204" pitchFamily="18" charset="0"/>
+                                </a:rPr>
+                              </m:ctrlPr>
+                            </m:sSupPr>
+                            <m:e>
+                              <m:r>
+                                <a:rPr lang="en-US" sz="2400" b="0" i="1" smtClean="0">
+                                  <a:latin typeface="Cambria Math" panose="02040503050406030204" pitchFamily="18" charset="0"/>
+                                </a:rPr>
+                                <m:t>𝑐</m:t>
+                              </m:r>
+                            </m:e>
+                            <m:sup>
+                              <m:r>
+                                <a:rPr lang="en-US" sz="2400" b="0" i="1" smtClean="0">
+                                  <a:latin typeface="Cambria Math" panose="02040503050406030204" pitchFamily="18" charset="0"/>
+                                </a:rPr>
+                                <m:t>∗</m:t>
+                              </m:r>
+                            </m:sup>
+                          </m:sSup>
+                        </m:den>
+                      </m:f>
+                      <m:r>
+                        <a:rPr lang="en-US" sz="2400" b="0" i="1" smtClean="0">
+                          <a:latin typeface="Cambria Math" panose="02040503050406030204" pitchFamily="18" charset="0"/>
+                        </a:rPr>
+                        <m:t>=</m:t>
+                      </m:r>
+                      <m:r>
+                        <a:rPr lang="en-US" sz="2400" b="0" i="1" smtClean="0">
+                          <a:latin typeface="Cambria Math" panose="02040503050406030204" pitchFamily="18" charset="0"/>
+                        </a:rPr>
+                        <m:t>…</m:t>
+                      </m:r>
+                    </m:oMath>
+                  </m:oMathPara>
+                </a14:m>
+                <a:endParaRPr lang="en-US" sz="2400" dirty="0"/>
+              </a:p>
+            </p:txBody>
+          </p:sp>
+        </mc:Choice>
+        <mc:Fallback>
+          <p:sp>
+            <p:nvSpPr>
+              <p:cNvPr id="5" name="TextBox 4">
+                <a:extLst>
+                  <a:ext uri="{FF2B5EF4-FFF2-40B4-BE49-F238E27FC236}">
+                    <a16:creationId xmlns:a16="http://schemas.microsoft.com/office/drawing/2014/main" id="{C2BD34AA-7E91-7144-91A9-44E3FAF780FD}"/>
+                  </a:ext>
+                </a:extLst>
+              </p:cNvPr>
+              <p:cNvSpPr txBox="1">
+                <a:spLocks noRot="1" noChangeAspect="1" noMove="1" noResize="1" noEditPoints="1" noAdjustHandles="1" noChangeArrowheads="1" noChangeShapeType="1" noTextEdit="1"/>
+              </p:cNvSpPr>
+              <p:nvPr/>
+            </p:nvSpPr>
+            <p:spPr>
+              <a:xfrm>
+                <a:off x="813674" y="3278686"/>
+                <a:ext cx="4752474" cy="1832874"/>
+              </a:xfrm>
+              <a:prstGeom prst="rect">
+                <a:avLst/>
+              </a:prstGeom>
+              <a:blipFill>
+                <a:blip r:embed="rId2"/>
+                <a:stretch>
+                  <a:fillRect l="-1862" t="-2759" r="-2128"/>
+                </a:stretch>
+              </a:blipFill>
+            </p:spPr>
+            <p:txBody>
+              <a:bodyPr/>
+              <a:lstStyle/>
+              <a:p>
+                <a:r>
+                  <a:rPr lang="en-US">
+                    <a:noFill/>
+                  </a:rPr>
+                  <a:t> </a:t>
+                </a:r>
+              </a:p>
+            </p:txBody>
+          </p:sp>
+        </mc:Fallback>
+      </mc:AlternateContent>
+      <p:pic>
+        <p:nvPicPr>
+          <p:cNvPr id="7" name="Picture 6">
+            <a:extLst>
+              <a:ext uri="{FF2B5EF4-FFF2-40B4-BE49-F238E27FC236}">
+                <a16:creationId xmlns:a16="http://schemas.microsoft.com/office/drawing/2014/main" id="{A05ABFE3-7B65-E349-9936-6083928D5451}"/>
+              </a:ext>
+            </a:extLst>
+          </p:cNvPr>
+          <p:cNvPicPr>
+            <a:picLocks noChangeAspect="1"/>
+          </p:cNvPicPr>
+          <p:nvPr/>
+        </p:nvPicPr>
+        <p:blipFill>
+          <a:blip r:embed="rId3"/>
+          <a:stretch>
+            <a:fillRect/>
+          </a:stretch>
+        </p:blipFill>
+        <p:spPr>
+          <a:xfrm>
+            <a:off x="5876544" y="3170173"/>
+            <a:ext cx="5501782" cy="3303525"/>
+          </a:xfrm>
+          <a:prstGeom prst="rect">
+            <a:avLst/>
+          </a:prstGeom>
+        </p:spPr>
+      </p:pic>
+      <p:grpSp>
+        <p:nvGrpSpPr>
+          <p:cNvPr id="6" name="Group 5">
+            <a:extLst>
+              <a:ext uri="{FF2B5EF4-FFF2-40B4-BE49-F238E27FC236}">
+                <a16:creationId xmlns:a16="http://schemas.microsoft.com/office/drawing/2014/main" id="{1BFC806F-A981-8744-9F19-6F78563BAAAE}"/>
+              </a:ext>
+            </a:extLst>
+          </p:cNvPr>
+          <p:cNvGrpSpPr/>
+          <p:nvPr/>
+        </p:nvGrpSpPr>
+        <p:grpSpPr>
+          <a:xfrm>
+            <a:off x="500837" y="341376"/>
+            <a:ext cx="10984027" cy="2670048"/>
+            <a:chOff x="500837" y="341376"/>
+            <a:chExt cx="10984027" cy="2670048"/>
+          </a:xfrm>
+        </p:grpSpPr>
+        <p:pic>
+          <p:nvPicPr>
+            <p:cNvPr id="8" name="Picture 7">
+              <a:extLst>
+                <a:ext uri="{FF2B5EF4-FFF2-40B4-BE49-F238E27FC236}">
+                  <a16:creationId xmlns:a16="http://schemas.microsoft.com/office/drawing/2014/main" id="{9F39AA69-F24D-0A45-83F1-EC0B557C7D59}"/>
+                </a:ext>
+              </a:extLst>
+            </p:cNvPr>
+            <p:cNvPicPr>
+              <a:picLocks noChangeAspect="1"/>
+            </p:cNvPicPr>
+            <p:nvPr/>
+          </p:nvPicPr>
+          <p:blipFill rotWithShape="1">
+            <a:blip r:embed="rId4"/>
+            <a:srcRect r="17186"/>
+            <a:stretch/>
+          </p:blipFill>
+          <p:spPr>
+            <a:xfrm>
+              <a:off x="500837" y="341376"/>
+              <a:ext cx="10984027" cy="2670048"/>
+            </a:xfrm>
+            <a:prstGeom prst="rect">
+              <a:avLst/>
+            </a:prstGeom>
+          </p:spPr>
+        </p:pic>
+        <mc:AlternateContent xmlns:mc="http://schemas.openxmlformats.org/markup-compatibility/2006">
+          <mc:Choice xmlns:a14="http://schemas.microsoft.com/office/drawing/2010/main" Requires="a14">
+            <p:sp>
+              <p:nvSpPr>
+                <p:cNvPr id="9" name="Rectangle 8">
+                  <a:extLst>
+                    <a:ext uri="{FF2B5EF4-FFF2-40B4-BE49-F238E27FC236}">
+                      <a16:creationId xmlns:a16="http://schemas.microsoft.com/office/drawing/2014/main" id="{0063D135-8509-0A47-929B-AC1F19881369}"/>
+                    </a:ext>
+                  </a:extLst>
+                </p:cNvPr>
+                <p:cNvSpPr/>
+                <p:nvPr/>
+              </p:nvSpPr>
+              <p:spPr>
+                <a:xfrm>
+                  <a:off x="8223029" y="1676400"/>
+                  <a:ext cx="404406" cy="461665"/>
+                </a:xfrm>
+                <a:prstGeom prst="rect">
+                  <a:avLst/>
+                </a:prstGeom>
+              </p:spPr>
+              <p:txBody>
+                <a:bodyPr wrap="none">
+                  <a:spAutoFit/>
+                </a:bodyPr>
+                <a:lstStyle/>
+                <a:p>
+                  <a:pPr/>
+                  <a14:m>
+                    <m:oMathPara xmlns:m="http://schemas.openxmlformats.org/officeDocument/2006/math">
+                      <m:oMathParaPr>
+                        <m:jc m:val="centerGroup"/>
+                      </m:oMathParaPr>
+                      <m:oMath xmlns:m="http://schemas.openxmlformats.org/officeDocument/2006/math">
+                        <m:acc>
+                          <m:accPr>
+                            <m:chr m:val="̅"/>
+                            <m:ctrlPr>
+                              <a:rPr lang="en-US" sz="2400" i="1">
+                                <a:latin typeface="Cambria Math" panose="02040503050406030204" pitchFamily="18" charset="0"/>
+                              </a:rPr>
+                            </m:ctrlPr>
+                          </m:accPr>
+                          <m:e>
+                            <m:r>
+                              <a:rPr lang="en-US" sz="2400" i="1">
+                                <a:latin typeface="Cambria Math" panose="02040503050406030204" pitchFamily="18" charset="0"/>
+                              </a:rPr>
+                              <m:t>𝑐</m:t>
+                            </m:r>
+                          </m:e>
+                        </m:acc>
+                      </m:oMath>
+                    </m:oMathPara>
+                  </a14:m>
+                  <a:endParaRPr lang="en-US" sz="2400" dirty="0"/>
+                </a:p>
+              </p:txBody>
+            </p:sp>
+          </mc:Choice>
+          <mc:Fallback>
+            <p:sp>
+              <p:nvSpPr>
+                <p:cNvPr id="9" name="Rectangle 8">
+                  <a:extLst>
+                    <a:ext uri="{FF2B5EF4-FFF2-40B4-BE49-F238E27FC236}">
+                      <a16:creationId xmlns:a16="http://schemas.microsoft.com/office/drawing/2014/main" id="{0063D135-8509-0A47-929B-AC1F19881369}"/>
+                    </a:ext>
+                  </a:extLst>
+                </p:cNvPr>
+                <p:cNvSpPr>
+                  <a:spLocks noRot="1" noChangeAspect="1" noMove="1" noResize="1" noEditPoints="1" noAdjustHandles="1" noChangeArrowheads="1" noChangeShapeType="1" noTextEdit="1"/>
+                </p:cNvSpPr>
+                <p:nvPr/>
+              </p:nvSpPr>
+              <p:spPr>
+                <a:xfrm>
+                  <a:off x="8223029" y="1676400"/>
+                  <a:ext cx="404406" cy="461665"/>
+                </a:xfrm>
+                <a:prstGeom prst="rect">
+                  <a:avLst/>
+                </a:prstGeom>
+                <a:blipFill>
+                  <a:blip r:embed="rId5"/>
+                  <a:stretch>
+                    <a:fillRect/>
+                  </a:stretch>
+                </a:blipFill>
+              </p:spPr>
+              <p:txBody>
+                <a:bodyPr/>
+                <a:lstStyle/>
+                <a:p>
+                  <a:r>
+                    <a:rPr lang="en-US">
+                      <a:noFill/>
+                    </a:rPr>
+                    <a:t> </a:t>
+                  </a:r>
+                </a:p>
+              </p:txBody>
+            </p:sp>
+          </mc:Fallback>
+        </mc:AlternateContent>
+        <mc:AlternateContent xmlns:mc="http://schemas.openxmlformats.org/markup-compatibility/2006">
+          <mc:Choice xmlns:a14="http://schemas.microsoft.com/office/drawing/2010/main" Requires="a14">
+            <p:sp>
+              <p:nvSpPr>
+                <p:cNvPr id="10" name="Rectangle 9">
+                  <a:extLst>
+                    <a:ext uri="{FF2B5EF4-FFF2-40B4-BE49-F238E27FC236}">
+                      <a16:creationId xmlns:a16="http://schemas.microsoft.com/office/drawing/2014/main" id="{F32B8009-BC43-744D-8603-89BB4012A294}"/>
+                    </a:ext>
+                  </a:extLst>
+                </p:cNvPr>
+                <p:cNvSpPr/>
+                <p:nvPr/>
+              </p:nvSpPr>
+              <p:spPr>
+                <a:xfrm>
+                  <a:off x="8223029" y="1068178"/>
+                  <a:ext cx="531428" cy="461665"/>
+                </a:xfrm>
+                <a:prstGeom prst="rect">
+                  <a:avLst/>
+                </a:prstGeom>
+              </p:spPr>
+              <p:txBody>
+                <a:bodyPr wrap="none">
+                  <a:spAutoFit/>
+                </a:bodyPr>
+                <a:lstStyle/>
+                <a:p>
+                  <a:pPr/>
+                  <a14:m>
+                    <m:oMathPara xmlns:m="http://schemas.openxmlformats.org/officeDocument/2006/math">
+                      <m:oMathParaPr>
+                        <m:jc m:val="centerGroup"/>
+                      </m:oMathParaPr>
+                      <m:oMath xmlns:m="http://schemas.openxmlformats.org/officeDocument/2006/math">
+                        <m:sSup>
+                          <m:sSupPr>
+                            <m:ctrlPr>
+                              <a:rPr lang="en-US" sz="2400" i="1">
+                                <a:latin typeface="Cambria Math" panose="02040503050406030204" pitchFamily="18" charset="0"/>
+                              </a:rPr>
+                            </m:ctrlPr>
+                          </m:sSupPr>
+                          <m:e>
+                            <m:r>
+                              <a:rPr lang="en-US" sz="2400" i="1">
+                                <a:latin typeface="Cambria Math" panose="02040503050406030204" pitchFamily="18" charset="0"/>
+                              </a:rPr>
+                              <m:t>𝑐</m:t>
+                            </m:r>
+                          </m:e>
+                          <m:sup>
+                            <m:r>
+                              <a:rPr lang="en-US" sz="2400" i="1">
+                                <a:latin typeface="Cambria Math" panose="02040503050406030204" pitchFamily="18" charset="0"/>
+                              </a:rPr>
+                              <m:t>∗</m:t>
+                            </m:r>
+                          </m:sup>
+                        </m:sSup>
+                      </m:oMath>
+                    </m:oMathPara>
+                  </a14:m>
+                  <a:endParaRPr lang="en-US" sz="2400" dirty="0"/>
+                </a:p>
+              </p:txBody>
+            </p:sp>
+          </mc:Choice>
+          <mc:Fallback>
+            <p:sp>
+              <p:nvSpPr>
+                <p:cNvPr id="10" name="Rectangle 9">
+                  <a:extLst>
+                    <a:ext uri="{FF2B5EF4-FFF2-40B4-BE49-F238E27FC236}">
+                      <a16:creationId xmlns:a16="http://schemas.microsoft.com/office/drawing/2014/main" id="{F32B8009-BC43-744D-8603-89BB4012A294}"/>
+                    </a:ext>
+                  </a:extLst>
+                </p:cNvPr>
+                <p:cNvSpPr>
+                  <a:spLocks noRot="1" noChangeAspect="1" noMove="1" noResize="1" noEditPoints="1" noAdjustHandles="1" noChangeArrowheads="1" noChangeShapeType="1" noTextEdit="1"/>
+                </p:cNvSpPr>
+                <p:nvPr/>
+              </p:nvSpPr>
+              <p:spPr>
+                <a:xfrm>
+                  <a:off x="8223029" y="1068178"/>
+                  <a:ext cx="531428" cy="461665"/>
+                </a:xfrm>
+                <a:prstGeom prst="rect">
+                  <a:avLst/>
+                </a:prstGeom>
+                <a:blipFill>
+                  <a:blip r:embed="rId6"/>
+                  <a:stretch>
+                    <a:fillRect/>
+                  </a:stretch>
+                </a:blipFill>
+              </p:spPr>
+              <p:txBody>
+                <a:bodyPr/>
+                <a:lstStyle/>
+                <a:p>
+                  <a:r>
+                    <a:rPr lang="en-US">
+                      <a:noFill/>
+                    </a:rPr>
+                    <a:t> </a:t>
+                  </a:r>
+                </a:p>
+              </p:txBody>
+            </p:sp>
+          </mc:Fallback>
+        </mc:AlternateContent>
+        <mc:AlternateContent xmlns:mc="http://schemas.openxmlformats.org/markup-compatibility/2006">
+          <mc:Choice xmlns:a14="http://schemas.microsoft.com/office/drawing/2010/main" Requires="a14">
+            <p:sp>
+              <p:nvSpPr>
+                <p:cNvPr id="11" name="Rectangle 10">
+                  <a:extLst>
+                    <a:ext uri="{FF2B5EF4-FFF2-40B4-BE49-F238E27FC236}">
+                      <a16:creationId xmlns:a16="http://schemas.microsoft.com/office/drawing/2014/main" id="{9DF6CF2A-DEB0-3B49-9175-1D742DA66B29}"/>
+                    </a:ext>
+                  </a:extLst>
+                </p:cNvPr>
+                <p:cNvSpPr/>
+                <p:nvPr/>
+              </p:nvSpPr>
+              <p:spPr>
+                <a:xfrm>
+                  <a:off x="8199246" y="2343912"/>
+                  <a:ext cx="404406" cy="461665"/>
+                </a:xfrm>
+                <a:prstGeom prst="rect">
+                  <a:avLst/>
+                </a:prstGeom>
+              </p:spPr>
+              <p:txBody>
+                <a:bodyPr wrap="none">
+                  <a:spAutoFit/>
+                </a:bodyPr>
+                <a:lstStyle/>
+                <a:p>
+                  <a:pPr/>
+                  <a14:m>
+                    <m:oMathPara xmlns:m="http://schemas.openxmlformats.org/officeDocument/2006/math">
+                      <m:oMathParaPr>
+                        <m:jc m:val="centerGroup"/>
+                      </m:oMathParaPr>
+                      <m:oMath xmlns:m="http://schemas.openxmlformats.org/officeDocument/2006/math">
+                        <m:r>
+                          <a:rPr lang="en-US" sz="2400" b="0" i="1" smtClean="0">
+                            <a:latin typeface="Cambria Math" panose="02040503050406030204" pitchFamily="18" charset="0"/>
+                          </a:rPr>
+                          <m:t>𝑐</m:t>
+                        </m:r>
+                      </m:oMath>
+                    </m:oMathPara>
+                  </a14:m>
+                  <a:endParaRPr lang="en-US" sz="2400" dirty="0"/>
+                </a:p>
+              </p:txBody>
+            </p:sp>
+          </mc:Choice>
+          <mc:Fallback>
+            <p:sp>
+              <p:nvSpPr>
+                <p:cNvPr id="11" name="Rectangle 10">
+                  <a:extLst>
+                    <a:ext uri="{FF2B5EF4-FFF2-40B4-BE49-F238E27FC236}">
+                      <a16:creationId xmlns:a16="http://schemas.microsoft.com/office/drawing/2014/main" id="{9DF6CF2A-DEB0-3B49-9175-1D742DA66B29}"/>
+                    </a:ext>
+                  </a:extLst>
+                </p:cNvPr>
+                <p:cNvSpPr>
+                  <a:spLocks noRot="1" noChangeAspect="1" noMove="1" noResize="1" noEditPoints="1" noAdjustHandles="1" noChangeArrowheads="1" noChangeShapeType="1" noTextEdit="1"/>
+                </p:cNvSpPr>
+                <p:nvPr/>
+              </p:nvSpPr>
+              <p:spPr>
+                <a:xfrm>
+                  <a:off x="8199246" y="2343912"/>
+                  <a:ext cx="404406" cy="461665"/>
+                </a:xfrm>
+                <a:prstGeom prst="rect">
+                  <a:avLst/>
+                </a:prstGeom>
+                <a:blipFill>
+                  <a:blip r:embed="rId7"/>
+                  <a:stretch>
+                    <a:fillRect/>
+                  </a:stretch>
+                </a:blipFill>
+              </p:spPr>
+              <p:txBody>
+                <a:bodyPr/>
+                <a:lstStyle/>
+                <a:p>
+                  <a:r>
+                    <a:rPr lang="en-US">
+                      <a:noFill/>
+                    </a:rPr>
+                    <a:t> </a:t>
+                  </a:r>
+                </a:p>
+              </p:txBody>
+            </p:sp>
+          </mc:Fallback>
+        </mc:AlternateContent>
+      </p:grpSp>
+    </p:spTree>
+    <p:extLst>
+      <p:ext uri="{BB962C8B-B14F-4D97-AF65-F5344CB8AC3E}">
+        <p14:creationId xmlns:p14="http://schemas.microsoft.com/office/powerpoint/2010/main" val="4092220050"/>
       </p:ext>
     </p:extLst>
   </p:cSld>
